--- a/Leitura_e_Aprendizagem/Matemática/Aritmetica/Subtracao/0010_ALGORITIMO_EXCEÇÃO.pptx
+++ b/Leitura_e_Aprendizagem/Matemática/Aritmetica/Subtracao/0010_ALGORITIMO_EXCEÇÃO.pptx
@@ -245,7 +245,7 @@
           <a:p>
             <a:fld id="{8E16BBD4-8911-4A0F-AA6A-6D6D8349903B}" type="datetimeFigureOut">
               <a:rPr lang="pt-BR" smtClean="0"/>
-              <a:t>13/10/2019</a:t>
+              <a:t>05/09/2020</a:t>
             </a:fld>
             <a:endParaRPr lang="pt-BR"/>
           </a:p>
@@ -405,13 +405,18 @@
           <a:p>
             <a:fld id="{AA3BDF02-B96A-49DA-B87B-E5BEC32AF444}" type="slidenum">
               <a:rPr lang="pt-BR" smtClean="0"/>
-              <a:t>‹#›</a:t>
+              <a:t>‹nº›</a:t>
             </a:fld>
             <a:endParaRPr lang="pt-BR"/>
           </a:p>
         </p:txBody>
       </p:sp>
     </p:spTree>
+    <p:extLst>
+      <p:ext uri="{BB962C8B-B14F-4D97-AF65-F5344CB8AC3E}">
+        <p14:creationId xmlns:p14="http://schemas.microsoft.com/office/powerpoint/2010/main" val="3489696296"/>
+      </p:ext>
+    </p:extLst>
   </p:cSld>
   <p:clrMap bg1="lt1" tx1="dk1" bg2="lt2" tx2="dk2" accent1="accent1" accent2="accent2" accent3="accent3" accent4="accent4" accent5="accent5" accent6="accent6" hlink="hlink" folHlink="folHlink"/>
   <p:notesStyle>
@@ -1278,7 +1283,7 @@
             <a:fld id="{F8BDB6AA-63F8-4F31-8EA3-CB6FE8D9515C}" type="datetimeFigureOut">
               <a:rPr lang="pt-BR" smtClean="0"/>
               <a:pPr/>
-              <a:t>13/10/2019</a:t>
+              <a:t>05/09/2020</a:t>
             </a:fld>
             <a:endParaRPr lang="pt-BR"/>
           </a:p>
@@ -1321,7 +1326,7 @@
             <a:fld id="{15F87073-BAD0-4F54-9F7A-AF963F9B7E6D}" type="slidenum">
               <a:rPr lang="pt-BR" smtClean="0"/>
               <a:pPr/>
-              <a:t>‹#›</a:t>
+              <a:t>‹nº›</a:t>
             </a:fld>
             <a:endParaRPr lang="pt-BR"/>
           </a:p>
@@ -1337,6 +1342,18 @@
   <p:clrMapOvr>
     <a:masterClrMapping/>
   </p:clrMapOvr>
+  <mc:AlternateContent xmlns:mc="http://schemas.openxmlformats.org/markup-compatibility/2006">
+    <mc:Choice xmlns:p14="http://schemas.microsoft.com/office/powerpoint/2010/main" Requires="p14">
+      <p:transition spd="slow" p14:dur="1600" advTm="3270">
+        <p14:prism isContent="1" isInverted="1"/>
+      </p:transition>
+    </mc:Choice>
+    <mc:Fallback>
+      <p:transition spd="slow" advTm="3270">
+        <p:fade/>
+      </p:transition>
+    </mc:Fallback>
+  </mc:AlternateContent>
 </p:sldLayout>
 </file>
 
@@ -1450,7 +1467,7 @@
             <a:fld id="{F8BDB6AA-63F8-4F31-8EA3-CB6FE8D9515C}" type="datetimeFigureOut">
               <a:rPr lang="pt-BR" smtClean="0"/>
               <a:pPr/>
-              <a:t>13/10/2019</a:t>
+              <a:t>05/09/2020</a:t>
             </a:fld>
             <a:endParaRPr lang="pt-BR"/>
           </a:p>
@@ -1493,7 +1510,7 @@
             <a:fld id="{15F87073-BAD0-4F54-9F7A-AF963F9B7E6D}" type="slidenum">
               <a:rPr lang="pt-BR" smtClean="0"/>
               <a:pPr/>
-              <a:t>‹#›</a:t>
+              <a:t>‹nº›</a:t>
             </a:fld>
             <a:endParaRPr lang="pt-BR"/>
           </a:p>
@@ -1509,6 +1526,18 @@
   <p:clrMapOvr>
     <a:masterClrMapping/>
   </p:clrMapOvr>
+  <mc:AlternateContent xmlns:mc="http://schemas.openxmlformats.org/markup-compatibility/2006">
+    <mc:Choice xmlns:p14="http://schemas.microsoft.com/office/powerpoint/2010/main" Requires="p14">
+      <p:transition spd="slow" p14:dur="1600" advTm="3270">
+        <p14:prism isContent="1" isInverted="1"/>
+      </p:transition>
+    </mc:Choice>
+    <mc:Fallback>
+      <p:transition spd="slow" advTm="3270">
+        <p:fade/>
+      </p:transition>
+    </mc:Fallback>
+  </mc:AlternateContent>
 </p:sldLayout>
 </file>
 
@@ -1632,7 +1661,7 @@
             <a:fld id="{F8BDB6AA-63F8-4F31-8EA3-CB6FE8D9515C}" type="datetimeFigureOut">
               <a:rPr lang="pt-BR" smtClean="0"/>
               <a:pPr/>
-              <a:t>13/10/2019</a:t>
+              <a:t>05/09/2020</a:t>
             </a:fld>
             <a:endParaRPr lang="pt-BR"/>
           </a:p>
@@ -1675,7 +1704,7 @@
             <a:fld id="{15F87073-BAD0-4F54-9F7A-AF963F9B7E6D}" type="slidenum">
               <a:rPr lang="pt-BR" smtClean="0"/>
               <a:pPr/>
-              <a:t>‹#›</a:t>
+              <a:t>‹nº›</a:t>
             </a:fld>
             <a:endParaRPr lang="pt-BR"/>
           </a:p>
@@ -1691,6 +1720,18 @@
   <p:clrMapOvr>
     <a:masterClrMapping/>
   </p:clrMapOvr>
+  <mc:AlternateContent xmlns:mc="http://schemas.openxmlformats.org/markup-compatibility/2006">
+    <mc:Choice xmlns:p14="http://schemas.microsoft.com/office/powerpoint/2010/main" Requires="p14">
+      <p:transition spd="slow" p14:dur="1600" advTm="3270">
+        <p14:prism isContent="1" isInverted="1"/>
+      </p:transition>
+    </mc:Choice>
+    <mc:Fallback>
+      <p:transition spd="slow" advTm="3270">
+        <p:fade/>
+      </p:transition>
+    </mc:Fallback>
+  </mc:AlternateContent>
 </p:sldLayout>
 </file>
 
@@ -1804,7 +1845,7 @@
             <a:fld id="{F8BDB6AA-63F8-4F31-8EA3-CB6FE8D9515C}" type="datetimeFigureOut">
               <a:rPr lang="pt-BR" smtClean="0"/>
               <a:pPr/>
-              <a:t>13/10/2019</a:t>
+              <a:t>05/09/2020</a:t>
             </a:fld>
             <a:endParaRPr lang="pt-BR"/>
           </a:p>
@@ -1847,7 +1888,7 @@
             <a:fld id="{15F87073-BAD0-4F54-9F7A-AF963F9B7E6D}" type="slidenum">
               <a:rPr lang="pt-BR" smtClean="0"/>
               <a:pPr/>
-              <a:t>‹#›</a:t>
+              <a:t>‹nº›</a:t>
             </a:fld>
             <a:endParaRPr lang="pt-BR"/>
           </a:p>
@@ -1863,6 +1904,18 @@
   <p:clrMapOvr>
     <a:masterClrMapping/>
   </p:clrMapOvr>
+  <mc:AlternateContent xmlns:mc="http://schemas.openxmlformats.org/markup-compatibility/2006">
+    <mc:Choice xmlns:p14="http://schemas.microsoft.com/office/powerpoint/2010/main" Requires="p14">
+      <p:transition spd="slow" p14:dur="1600" advTm="3270">
+        <p14:prism isContent="1" isInverted="1"/>
+      </p:transition>
+    </mc:Choice>
+    <mc:Fallback>
+      <p:transition spd="slow" advTm="3270">
+        <p:fade/>
+      </p:transition>
+    </mc:Fallback>
+  </mc:AlternateContent>
 </p:sldLayout>
 </file>
 
@@ -2052,7 +2105,7 @@
             <a:fld id="{F8BDB6AA-63F8-4F31-8EA3-CB6FE8D9515C}" type="datetimeFigureOut">
               <a:rPr lang="pt-BR" smtClean="0"/>
               <a:pPr/>
-              <a:t>13/10/2019</a:t>
+              <a:t>05/09/2020</a:t>
             </a:fld>
             <a:endParaRPr lang="pt-BR"/>
           </a:p>
@@ -2095,7 +2148,7 @@
             <a:fld id="{15F87073-BAD0-4F54-9F7A-AF963F9B7E6D}" type="slidenum">
               <a:rPr lang="pt-BR" smtClean="0"/>
               <a:pPr/>
-              <a:t>‹#›</a:t>
+              <a:t>‹nº›</a:t>
             </a:fld>
             <a:endParaRPr lang="pt-BR"/>
           </a:p>
@@ -2111,6 +2164,18 @@
   <p:clrMapOvr>
     <a:masterClrMapping/>
   </p:clrMapOvr>
+  <mc:AlternateContent xmlns:mc="http://schemas.openxmlformats.org/markup-compatibility/2006">
+    <mc:Choice xmlns:p14="http://schemas.microsoft.com/office/powerpoint/2010/main" Requires="p14">
+      <p:transition spd="slow" p14:dur="1600" advTm="3270">
+        <p14:prism isContent="1" isInverted="1"/>
+      </p:transition>
+    </mc:Choice>
+    <mc:Fallback>
+      <p:transition spd="slow" advTm="3270">
+        <p:fade/>
+      </p:transition>
+    </mc:Fallback>
+  </mc:AlternateContent>
 </p:sldLayout>
 </file>
 
@@ -2286,7 +2351,7 @@
             <a:fld id="{F8BDB6AA-63F8-4F31-8EA3-CB6FE8D9515C}" type="datetimeFigureOut">
               <a:rPr lang="pt-BR" smtClean="0"/>
               <a:pPr/>
-              <a:t>13/10/2019</a:t>
+              <a:t>05/09/2020</a:t>
             </a:fld>
             <a:endParaRPr lang="pt-BR"/>
           </a:p>
@@ -2329,7 +2394,7 @@
             <a:fld id="{15F87073-BAD0-4F54-9F7A-AF963F9B7E6D}" type="slidenum">
               <a:rPr lang="pt-BR" smtClean="0"/>
               <a:pPr/>
-              <a:t>‹#›</a:t>
+              <a:t>‹nº›</a:t>
             </a:fld>
             <a:endParaRPr lang="pt-BR"/>
           </a:p>
@@ -2345,6 +2410,18 @@
   <p:clrMapOvr>
     <a:masterClrMapping/>
   </p:clrMapOvr>
+  <mc:AlternateContent xmlns:mc="http://schemas.openxmlformats.org/markup-compatibility/2006">
+    <mc:Choice xmlns:p14="http://schemas.microsoft.com/office/powerpoint/2010/main" Requires="p14">
+      <p:transition spd="slow" p14:dur="1600" advTm="3270">
+        <p14:prism isContent="1" isInverted="1"/>
+      </p:transition>
+    </mc:Choice>
+    <mc:Fallback>
+      <p:transition spd="slow" advTm="3270">
+        <p:fade/>
+      </p:transition>
+    </mc:Fallback>
+  </mc:AlternateContent>
 </p:sldLayout>
 </file>
 
@@ -2655,7 +2732,7 @@
             <a:fld id="{F8BDB6AA-63F8-4F31-8EA3-CB6FE8D9515C}" type="datetimeFigureOut">
               <a:rPr lang="pt-BR" smtClean="0"/>
               <a:pPr/>
-              <a:t>13/10/2019</a:t>
+              <a:t>05/09/2020</a:t>
             </a:fld>
             <a:endParaRPr lang="pt-BR"/>
           </a:p>
@@ -2698,7 +2775,7 @@
             <a:fld id="{15F87073-BAD0-4F54-9F7A-AF963F9B7E6D}" type="slidenum">
               <a:rPr lang="pt-BR" smtClean="0"/>
               <a:pPr/>
-              <a:t>‹#›</a:t>
+              <a:t>‹nº›</a:t>
             </a:fld>
             <a:endParaRPr lang="pt-BR"/>
           </a:p>
@@ -2714,6 +2791,18 @@
   <p:clrMapOvr>
     <a:masterClrMapping/>
   </p:clrMapOvr>
+  <mc:AlternateContent xmlns:mc="http://schemas.openxmlformats.org/markup-compatibility/2006">
+    <mc:Choice xmlns:p14="http://schemas.microsoft.com/office/powerpoint/2010/main" Requires="p14">
+      <p:transition spd="slow" p14:dur="1600" advTm="3270">
+        <p14:prism isContent="1" isInverted="1"/>
+      </p:transition>
+    </mc:Choice>
+    <mc:Fallback>
+      <p:transition spd="slow" advTm="3270">
+        <p:fade/>
+      </p:transition>
+    </mc:Fallback>
+  </mc:AlternateContent>
 </p:sldLayout>
 </file>
 
@@ -2775,7 +2864,7 @@
             <a:fld id="{F8BDB6AA-63F8-4F31-8EA3-CB6FE8D9515C}" type="datetimeFigureOut">
               <a:rPr lang="pt-BR" smtClean="0"/>
               <a:pPr/>
-              <a:t>13/10/2019</a:t>
+              <a:t>05/09/2020</a:t>
             </a:fld>
             <a:endParaRPr lang="pt-BR"/>
           </a:p>
@@ -2818,7 +2907,7 @@
             <a:fld id="{15F87073-BAD0-4F54-9F7A-AF963F9B7E6D}" type="slidenum">
               <a:rPr lang="pt-BR" smtClean="0"/>
               <a:pPr/>
-              <a:t>‹#›</a:t>
+              <a:t>‹nº›</a:t>
             </a:fld>
             <a:endParaRPr lang="pt-BR"/>
           </a:p>
@@ -2834,6 +2923,18 @@
   <p:clrMapOvr>
     <a:masterClrMapping/>
   </p:clrMapOvr>
+  <mc:AlternateContent xmlns:mc="http://schemas.openxmlformats.org/markup-compatibility/2006">
+    <mc:Choice xmlns:p14="http://schemas.microsoft.com/office/powerpoint/2010/main" Requires="p14">
+      <p:transition spd="slow" p14:dur="1600" advTm="3270">
+        <p14:prism isContent="1" isInverted="1"/>
+      </p:transition>
+    </mc:Choice>
+    <mc:Fallback>
+      <p:transition spd="slow" advTm="3270">
+        <p:fade/>
+      </p:transition>
+    </mc:Fallback>
+  </mc:AlternateContent>
 </p:sldLayout>
 </file>
 
@@ -2872,7 +2973,7 @@
             <a:fld id="{F8BDB6AA-63F8-4F31-8EA3-CB6FE8D9515C}" type="datetimeFigureOut">
               <a:rPr lang="pt-BR" smtClean="0"/>
               <a:pPr/>
-              <a:t>13/10/2019</a:t>
+              <a:t>05/09/2020</a:t>
             </a:fld>
             <a:endParaRPr lang="pt-BR"/>
           </a:p>
@@ -2915,7 +3016,7 @@
             <a:fld id="{15F87073-BAD0-4F54-9F7A-AF963F9B7E6D}" type="slidenum">
               <a:rPr lang="pt-BR" smtClean="0"/>
               <a:pPr/>
-              <a:t>‹#›</a:t>
+              <a:t>‹nº›</a:t>
             </a:fld>
             <a:endParaRPr lang="pt-BR"/>
           </a:p>
@@ -2931,6 +3032,18 @@
   <p:clrMapOvr>
     <a:masterClrMapping/>
   </p:clrMapOvr>
+  <mc:AlternateContent xmlns:mc="http://schemas.openxmlformats.org/markup-compatibility/2006">
+    <mc:Choice xmlns:p14="http://schemas.microsoft.com/office/powerpoint/2010/main" Requires="p14">
+      <p:transition spd="slow" p14:dur="1600" advTm="3270">
+        <p14:prism isContent="1" isInverted="1"/>
+      </p:transition>
+    </mc:Choice>
+    <mc:Fallback>
+      <p:transition spd="slow" advTm="3270">
+        <p:fade/>
+      </p:transition>
+    </mc:Fallback>
+  </mc:AlternateContent>
 </p:sldLayout>
 </file>
 
@@ -3151,7 +3264,7 @@
             <a:fld id="{F8BDB6AA-63F8-4F31-8EA3-CB6FE8D9515C}" type="datetimeFigureOut">
               <a:rPr lang="pt-BR" smtClean="0"/>
               <a:pPr/>
-              <a:t>13/10/2019</a:t>
+              <a:t>05/09/2020</a:t>
             </a:fld>
             <a:endParaRPr lang="pt-BR"/>
           </a:p>
@@ -3194,7 +3307,7 @@
             <a:fld id="{15F87073-BAD0-4F54-9F7A-AF963F9B7E6D}" type="slidenum">
               <a:rPr lang="pt-BR" smtClean="0"/>
               <a:pPr/>
-              <a:t>‹#›</a:t>
+              <a:t>‹nº›</a:t>
             </a:fld>
             <a:endParaRPr lang="pt-BR"/>
           </a:p>
@@ -3210,6 +3323,18 @@
   <p:clrMapOvr>
     <a:masterClrMapping/>
   </p:clrMapOvr>
+  <mc:AlternateContent xmlns:mc="http://schemas.openxmlformats.org/markup-compatibility/2006">
+    <mc:Choice xmlns:p14="http://schemas.microsoft.com/office/powerpoint/2010/main" Requires="p14">
+      <p:transition spd="slow" p14:dur="1600" advTm="3270">
+        <p14:prism isContent="1" isInverted="1"/>
+      </p:transition>
+    </mc:Choice>
+    <mc:Fallback>
+      <p:transition spd="slow" advTm="3270">
+        <p:fade/>
+      </p:transition>
+    </mc:Fallback>
+  </mc:AlternateContent>
 </p:sldLayout>
 </file>
 
@@ -3410,7 +3535,7 @@
             <a:fld id="{F8BDB6AA-63F8-4F31-8EA3-CB6FE8D9515C}" type="datetimeFigureOut">
               <a:rPr lang="pt-BR" smtClean="0"/>
               <a:pPr/>
-              <a:t>13/10/2019</a:t>
+              <a:t>05/09/2020</a:t>
             </a:fld>
             <a:endParaRPr lang="pt-BR"/>
           </a:p>
@@ -3453,7 +3578,7 @@
             <a:fld id="{15F87073-BAD0-4F54-9F7A-AF963F9B7E6D}" type="slidenum">
               <a:rPr lang="pt-BR" smtClean="0"/>
               <a:pPr/>
-              <a:t>‹#›</a:t>
+              <a:t>‹nº›</a:t>
             </a:fld>
             <a:endParaRPr lang="pt-BR"/>
           </a:p>
@@ -3469,6 +3594,18 @@
   <p:clrMapOvr>
     <a:masterClrMapping/>
   </p:clrMapOvr>
+  <mc:AlternateContent xmlns:mc="http://schemas.openxmlformats.org/markup-compatibility/2006">
+    <mc:Choice xmlns:p14="http://schemas.microsoft.com/office/powerpoint/2010/main" Requires="p14">
+      <p:transition spd="slow" p14:dur="1600" advTm="3270">
+        <p14:prism isContent="1" isInverted="1"/>
+      </p:transition>
+    </mc:Choice>
+    <mc:Fallback>
+      <p:transition spd="slow" advTm="3270">
+        <p:fade/>
+      </p:transition>
+    </mc:Fallback>
+  </mc:AlternateContent>
 </p:sldLayout>
 </file>
 
@@ -3634,7 +3771,7 @@
             <a:fld id="{F8BDB6AA-63F8-4F31-8EA3-CB6FE8D9515C}" type="datetimeFigureOut">
               <a:rPr lang="pt-BR" smtClean="0"/>
               <a:pPr/>
-              <a:t>13/10/2019</a:t>
+              <a:t>05/09/2020</a:t>
             </a:fld>
             <a:endParaRPr lang="pt-BR"/>
           </a:p>
@@ -3713,7 +3850,7 @@
             <a:fld id="{15F87073-BAD0-4F54-9F7A-AF963F9B7E6D}" type="slidenum">
               <a:rPr lang="pt-BR" smtClean="0"/>
               <a:pPr/>
-              <a:t>‹#›</a:t>
+              <a:t>‹nº›</a:t>
             </a:fld>
             <a:endParaRPr lang="pt-BR"/>
           </a:p>
@@ -3740,9 +3877,18 @@
     <p:sldLayoutId id="2147483802" r:id="rId10"/>
     <p:sldLayoutId id="2147483803" r:id="rId11"/>
   </p:sldLayoutIdLst>
-  <p:transition spd="slow">
-    <p:wipe/>
-  </p:transition>
+  <mc:AlternateContent xmlns:mc="http://schemas.openxmlformats.org/markup-compatibility/2006">
+    <mc:Choice xmlns:p14="http://schemas.microsoft.com/office/powerpoint/2010/main" Requires="p14">
+      <p:transition spd="slow" p14:dur="1600" advTm="3270">
+        <p14:prism isContent="1" isInverted="1"/>
+      </p:transition>
+    </mc:Choice>
+    <mc:Fallback>
+      <p:transition spd="slow" advTm="3270">
+        <p:fade/>
+      </p:transition>
+    </mc:Fallback>
+  </mc:AlternateContent>
   <p:txStyles>
     <p:titleStyle>
       <a:lvl1pPr algn="l" defTabSz="671993" rtl="0" eaLnBrk="1" latinLnBrk="0" hangingPunct="1">
@@ -4048,7 +4194,7 @@
           <p:cNvPr id="3" name="Picture 2">
             <a:extLst>
               <a:ext uri="{FF2B5EF4-FFF2-40B4-BE49-F238E27FC236}">
-                <a16:creationId xmlns:a16="http://schemas.microsoft.com/office/drawing/2014/main" id="{E29F6CCA-CAE7-4F41-889D-5CCF9F0514DD}"/>
+                <a16:creationId xmlns:a16="http://schemas.microsoft.com/office/drawing/2014/main" xmlns="" id="{E29F6CCA-CAE7-4F41-889D-5CCF9F0514DD}"/>
               </a:ext>
             </a:extLst>
           </p:cNvPr>
@@ -4058,7 +4204,7 @@
           <p:nvPr/>
         </p:nvPicPr>
         <p:blipFill>
-          <a:blip r:embed="rId3">
+          <a:blip r:embed="rId6">
             <a:extLst>
               <a:ext uri="{28A0092B-C50C-407E-A947-70E740481C1C}">
                 <a14:useLocalDpi xmlns:a14="http://schemas.microsoft.com/office/drawing/2010/main" val="0"/>
@@ -4084,7 +4230,7 @@
           <p:cNvPr id="14" name="Rectangle 13">
             <a:extLst>
               <a:ext uri="{FF2B5EF4-FFF2-40B4-BE49-F238E27FC236}">
-                <a16:creationId xmlns:a16="http://schemas.microsoft.com/office/drawing/2014/main" id="{52670CB7-6F96-4BDF-AF66-75B2EA21419B}"/>
+                <a16:creationId xmlns:a16="http://schemas.microsoft.com/office/drawing/2014/main" xmlns="" id="{52670CB7-6F96-4BDF-AF66-75B2EA21419B}"/>
               </a:ext>
             </a:extLst>
           </p:cNvPr>
@@ -4125,7 +4271,45 @@
                   </a:outerShdw>
                 </a:effectLst>
               </a:rPr>
-              <a:t>Matemática - Subtração – Algoritimo Excecão</a:t>
+              <a:t>Matemática - Subtração – </a:t>
+            </a:r>
+            <a:r>
+              <a:rPr lang="en-US" sz="5400" b="1" dirty="0" smtClean="0">
+                <a:ln w="12700">
+                  <a:solidFill>
+                    <a:schemeClr val="accent1"/>
+                  </a:solidFill>
+                  <a:prstDash val="solid"/>
+                </a:ln>
+                <a:solidFill>
+                  <a:srgbClr val="FFFF00"/>
+                </a:solidFill>
+                <a:effectLst>
+                  <a:outerShdw dist="38100" dir="2640000" algn="bl" rotWithShape="0">
+                    <a:schemeClr val="accent1"/>
+                  </a:outerShdw>
+                </a:effectLst>
+              </a:rPr>
+              <a:t>Algoritimo: </a:t>
+            </a:r>
+            <a:r>
+              <a:rPr lang="en-US" sz="5400" b="1" dirty="0">
+                <a:ln w="12700">
+                  <a:solidFill>
+                    <a:schemeClr val="accent1"/>
+                  </a:solidFill>
+                  <a:prstDash val="solid"/>
+                </a:ln>
+                <a:solidFill>
+                  <a:srgbClr val="FFFF00"/>
+                </a:solidFill>
+                <a:effectLst>
+                  <a:outerShdw dist="38100" dir="2640000" algn="bl" rotWithShape="0">
+                    <a:schemeClr val="accent1"/>
+                  </a:outerShdw>
+                </a:effectLst>
+              </a:rPr>
+              <a:t>Excecão</a:t>
             </a:r>
             <a:endParaRPr lang="en-US" sz="5400" b="1" cap="none" spc="0" dirty="0">
               <a:ln w="12700">
@@ -4146,7 +4330,43 @@
           </a:p>
         </p:txBody>
       </p:sp>
+      <p:pic>
+        <p:nvPicPr>
+          <p:cNvPr id="5" name="Som gravado">
+            <a:hlinkClick r:id="" action="ppaction://media"/>
+          </p:cNvPr>
+          <p:cNvPicPr>
+            <a:picLocks noChangeAspect="1"/>
+          </p:cNvPicPr>
+          <p:nvPr>
+            <a:audioFile r:link="rId3"/>
+            <p:extLst>
+              <p:ext uri="{DAA4B4D4-6D71-4841-9C94-3DE7FCFB9230}">
+                <p14:media xmlns:p14="http://schemas.microsoft.com/office/powerpoint/2010/main" r:embed="rId2"/>
+              </p:ext>
+            </p:extLst>
+          </p:nvPr>
+        </p:nvPicPr>
+        <p:blipFill>
+          <a:blip r:embed="rId7"/>
+          <a:stretch>
+            <a:fillRect/>
+          </a:stretch>
+        </p:blipFill>
+        <p:spPr>
+          <a:xfrm>
+            <a:off x="366491" y="244549"/>
+            <a:ext cx="487363" cy="487363"/>
+          </a:xfrm>
+          <a:prstGeom prst="rect">
+            <a:avLst/>
+          </a:prstGeom>
+        </p:spPr>
+      </p:pic>
     </p:spTree>
+    <p:custDataLst>
+      <p:tags r:id="rId1"/>
+    </p:custDataLst>
     <p:extLst>
       <p:ext uri="{BB962C8B-B14F-4D97-AF65-F5344CB8AC3E}">
         <p14:creationId xmlns:p14="http://schemas.microsoft.com/office/powerpoint/2010/main" val="795758697"/>
@@ -4156,9 +4376,105 @@
   <p:clrMapOvr>
     <a:masterClrMapping/>
   </p:clrMapOvr>
-  <p:transition spd="slow">
-    <p:wipe/>
-  </p:transition>
+  <mc:AlternateContent xmlns:mc="http://schemas.openxmlformats.org/markup-compatibility/2006">
+    <mc:Choice xmlns:p14="http://schemas.microsoft.com/office/powerpoint/2010/main" Requires="p14">
+      <p:transition spd="slow" p14:dur="1600" advTm="6617">
+        <p14:prism isContent="1" isInverted="1"/>
+      </p:transition>
+    </mc:Choice>
+    <mc:Fallback>
+      <p:transition spd="slow" advTm="6617">
+        <p:fade/>
+      </p:transition>
+    </mc:Fallback>
+  </mc:AlternateContent>
+  <p:timing>
+    <p:tnLst>
+      <p:par>
+        <p:cTn id="1" dur="indefinite" restart="never" nodeType="tmRoot">
+          <p:childTnLst>
+            <p:seq concurrent="1" nextAc="seek">
+              <p:cTn id="2" dur="indefinite" nodeType="mainSeq">
+                <p:childTnLst>
+                  <p:par>
+                    <p:cTn id="3" fill="hold">
+                      <p:stCondLst>
+                        <p:cond delay="indefinite"/>
+                        <p:cond evt="onBegin" delay="0">
+                          <p:tn val="2"/>
+                        </p:cond>
+                      </p:stCondLst>
+                      <p:childTnLst>
+                        <p:par>
+                          <p:cTn id="4" fill="hold">
+                            <p:stCondLst>
+                              <p:cond delay="0"/>
+                            </p:stCondLst>
+                            <p:childTnLst>
+                              <p:par>
+                                <p:cTn id="5" presetID="1" presetClass="mediacall" presetSubtype="0" fill="hold" nodeType="afterEffect">
+                                  <p:stCondLst>
+                                    <p:cond delay="0"/>
+                                  </p:stCondLst>
+                                  <p:childTnLst>
+                                    <p:cmd type="call" cmd="playFrom(0.0)">
+                                      <p:cBhvr>
+                                        <p:cTn id="6" dur="5015" fill="hold"/>
+                                        <p:tgtEl>
+                                          <p:spTgt spid="5"/>
+                                        </p:tgtEl>
+                                      </p:cBhvr>
+                                    </p:cmd>
+                                  </p:childTnLst>
+                                </p:cTn>
+                              </p:par>
+                            </p:childTnLst>
+                          </p:cTn>
+                        </p:par>
+                      </p:childTnLst>
+                    </p:cTn>
+                  </p:par>
+                </p:childTnLst>
+              </p:cTn>
+              <p:prevCondLst>
+                <p:cond evt="onPrev" delay="0">
+                  <p:tgtEl>
+                    <p:sldTgt/>
+                  </p:tgtEl>
+                </p:cond>
+              </p:prevCondLst>
+              <p:nextCondLst>
+                <p:cond evt="onNext" delay="0">
+                  <p:tgtEl>
+                    <p:sldTgt/>
+                  </p:tgtEl>
+                </p:cond>
+              </p:nextCondLst>
+            </p:seq>
+            <p:audio>
+              <p:cMediaNode vol="100000">
+                <p:cTn id="7" fill="hold" display="0">
+                  <p:stCondLst>
+                    <p:cond delay="indefinite"/>
+                  </p:stCondLst>
+                  <p:endCondLst>
+                    <p:cond evt="onStopAudio" delay="0">
+                      <p:tgtEl>
+                        <p:sldTgt/>
+                      </p:tgtEl>
+                    </p:cond>
+                  </p:endCondLst>
+                </p:cTn>
+                <p:tgtEl>
+                  <p:spTgt spid="5"/>
+                </p:tgtEl>
+              </p:cMediaNode>
+            </p:audio>
+          </p:childTnLst>
+        </p:cTn>
+      </p:par>
+    </p:tnLst>
+  </p:timing>
 </p:sld>
 </file>
 
@@ -4184,7 +4500,7 @@
           <p:cNvPr id="5" name="Rectangle 4">
             <a:extLst>
               <a:ext uri="{FF2B5EF4-FFF2-40B4-BE49-F238E27FC236}">
-                <a16:creationId xmlns:a16="http://schemas.microsoft.com/office/drawing/2014/main" id="{6B3D22E0-3304-47C3-A13D-F3314EEBFA56}"/>
+                <a16:creationId xmlns:a16="http://schemas.microsoft.com/office/drawing/2014/main" xmlns="" id="{6B3D22E0-3304-47C3-A13D-F3314EEBFA56}"/>
               </a:ext>
             </a:extLst>
           </p:cNvPr>
@@ -4268,7 +4584,7 @@
           <p:cNvPr id="8" name="Rectangle 7">
             <a:extLst>
               <a:ext uri="{FF2B5EF4-FFF2-40B4-BE49-F238E27FC236}">
-                <a16:creationId xmlns:a16="http://schemas.microsoft.com/office/drawing/2014/main" id="{9A0DF3A1-7C0C-4F2B-AC19-D85A14774D75}"/>
+                <a16:creationId xmlns:a16="http://schemas.microsoft.com/office/drawing/2014/main" xmlns="" id="{9A0DF3A1-7C0C-4F2B-AC19-D85A14774D75}"/>
               </a:ext>
             </a:extLst>
           </p:cNvPr>
@@ -4341,7 +4657,7 @@
           <p:cNvPr id="14" name="Arrow: Right 13">
             <a:extLst>
               <a:ext uri="{FF2B5EF4-FFF2-40B4-BE49-F238E27FC236}">
-                <a16:creationId xmlns:a16="http://schemas.microsoft.com/office/drawing/2014/main" id="{796CEA44-310B-44B9-9452-370144CD966E}"/>
+                <a16:creationId xmlns:a16="http://schemas.microsoft.com/office/drawing/2014/main" xmlns="" id="{796CEA44-310B-44B9-9452-370144CD966E}"/>
               </a:ext>
             </a:extLst>
           </p:cNvPr>
@@ -4395,7 +4711,7 @@
           <p:cNvPr id="13" name="Rectangle 12">
             <a:extLst>
               <a:ext uri="{FF2B5EF4-FFF2-40B4-BE49-F238E27FC236}">
-                <a16:creationId xmlns:a16="http://schemas.microsoft.com/office/drawing/2014/main" id="{10403570-33C6-4D52-8ECF-EC0A6BFC6193}"/>
+                <a16:creationId xmlns:a16="http://schemas.microsoft.com/office/drawing/2014/main" xmlns="" id="{10403570-33C6-4D52-8ECF-EC0A6BFC6193}"/>
               </a:ext>
             </a:extLst>
           </p:cNvPr>
@@ -4554,7 +4870,7 @@
           <p:cNvPr id="15" name="Rectangle 14">
             <a:extLst>
               <a:ext uri="{FF2B5EF4-FFF2-40B4-BE49-F238E27FC236}">
-                <a16:creationId xmlns:a16="http://schemas.microsoft.com/office/drawing/2014/main" id="{88C45C25-BF1B-4018-8A33-8F627F02D4A4}"/>
+                <a16:creationId xmlns:a16="http://schemas.microsoft.com/office/drawing/2014/main" xmlns="" id="{88C45C25-BF1B-4018-8A33-8F627F02D4A4}"/>
               </a:ext>
             </a:extLst>
           </p:cNvPr>
@@ -4563,7 +4879,7 @@
         </p:nvSpPr>
         <p:spPr>
           <a:xfrm>
-            <a:off x="5300519" y="1848063"/>
+            <a:off x="5313676" y="1739708"/>
             <a:ext cx="3068425" cy="446276"/>
           </a:xfrm>
           <a:prstGeom prst="rect">
@@ -4591,7 +4907,39 @@
                   </a:outerShdw>
                 </a:effectLst>
               </a:rPr>
-              <a:t>Exemplo: -2 – 2 = ? </a:t>
+              <a:t>Exemplo: </a:t>
+            </a:r>
+            <a:r>
+              <a:rPr lang="pt-BR" sz="2300" dirty="0">
+                <a:ln w="0"/>
+                <a:solidFill>
+                  <a:schemeClr val="bg1"/>
+                </a:solidFill>
+                <a:effectLst>
+                  <a:outerShdw blurRad="38100" dist="19050" dir="2700000" algn="tl" rotWithShape="0">
+                    <a:schemeClr val="dk1">
+                      <a:alpha val="40000"/>
+                    </a:schemeClr>
+                  </a:outerShdw>
+                </a:effectLst>
+              </a:rPr>
+              <a:t>– 2 </a:t>
+            </a:r>
+            <a:r>
+              <a:rPr lang="pt-BR" sz="2300" dirty="0">
+                <a:ln w="0"/>
+                <a:solidFill>
+                  <a:schemeClr val="bg1"/>
+                </a:solidFill>
+                <a:effectLst>
+                  <a:outerShdw blurRad="38100" dist="19050" dir="2700000" algn="tl" rotWithShape="0">
+                    <a:schemeClr val="dk1">
+                      <a:alpha val="40000"/>
+                    </a:schemeClr>
+                  </a:outerShdw>
+                </a:effectLst>
+              </a:rPr>
+              <a:t>– 2 = ? </a:t>
             </a:r>
             <a:endParaRPr lang="en-US" sz="2300" b="0" cap="none" spc="0" dirty="0">
               <a:ln w="0"/>
@@ -4614,7 +4962,7 @@
           <p:cNvPr id="10" name="Table 9">
             <a:extLst>
               <a:ext uri="{FF2B5EF4-FFF2-40B4-BE49-F238E27FC236}">
-                <a16:creationId xmlns:a16="http://schemas.microsoft.com/office/drawing/2014/main" id="{A3C33157-FA5E-498D-B93C-73F8CAEE1A5D}"/>
+                <a16:creationId xmlns:a16="http://schemas.microsoft.com/office/drawing/2014/main" xmlns="" id="{A3C33157-FA5E-498D-B93C-73F8CAEE1A5D}"/>
               </a:ext>
             </a:extLst>
           </p:cNvPr>
@@ -4643,28 +4991,28 @@
                 <a:gridCol w="834080">
                   <a:extLst>
                     <a:ext uri="{9D8B030D-6E8A-4147-A177-3AD203B41FA5}">
-                      <a16:colId xmlns:a16="http://schemas.microsoft.com/office/drawing/2014/main" val="2514592082"/>
+                      <a16:colId xmlns:a16="http://schemas.microsoft.com/office/drawing/2014/main" xmlns="" val="2514592082"/>
                     </a:ext>
                   </a:extLst>
                 </a:gridCol>
                 <a:gridCol w="834080">
                   <a:extLst>
                     <a:ext uri="{9D8B030D-6E8A-4147-A177-3AD203B41FA5}">
-                      <a16:colId xmlns:a16="http://schemas.microsoft.com/office/drawing/2014/main" val="1972351707"/>
+                      <a16:colId xmlns:a16="http://schemas.microsoft.com/office/drawing/2014/main" xmlns="" val="1972351707"/>
                     </a:ext>
                   </a:extLst>
                 </a:gridCol>
                 <a:gridCol w="834080">
                   <a:extLst>
                     <a:ext uri="{9D8B030D-6E8A-4147-A177-3AD203B41FA5}">
-                      <a16:colId xmlns:a16="http://schemas.microsoft.com/office/drawing/2014/main" val="130078612"/>
+                      <a16:colId xmlns:a16="http://schemas.microsoft.com/office/drawing/2014/main" xmlns="" val="130078612"/>
                     </a:ext>
                   </a:extLst>
                 </a:gridCol>
                 <a:gridCol w="834080">
                   <a:extLst>
                     <a:ext uri="{9D8B030D-6E8A-4147-A177-3AD203B41FA5}">
-                      <a16:colId xmlns:a16="http://schemas.microsoft.com/office/drawing/2014/main" val="3594532491"/>
+                      <a16:colId xmlns:a16="http://schemas.microsoft.com/office/drawing/2014/main" xmlns="" val="3594532491"/>
                     </a:ext>
                   </a:extLst>
                 </a:gridCol>
@@ -4834,7 +5182,7 @@
                 </a:tc>
                 <a:extLst>
                   <a:ext uri="{0D108BD9-81ED-4DB2-BD59-A6C34878D82A}">
-                    <a16:rowId xmlns:a16="http://schemas.microsoft.com/office/drawing/2014/main" val="1648878484"/>
+                    <a16:rowId xmlns:a16="http://schemas.microsoft.com/office/drawing/2014/main" xmlns="" val="1648878484"/>
                   </a:ext>
                 </a:extLst>
               </a:tr>
@@ -5008,7 +5356,7 @@
                 </a:tc>
                 <a:extLst>
                   <a:ext uri="{0D108BD9-81ED-4DB2-BD59-A6C34878D82A}">
-                    <a16:rowId xmlns:a16="http://schemas.microsoft.com/office/drawing/2014/main" val="3110016024"/>
+                    <a16:rowId xmlns:a16="http://schemas.microsoft.com/office/drawing/2014/main" xmlns="" val="3110016024"/>
                   </a:ext>
                 </a:extLst>
               </a:tr>
@@ -5190,7 +5538,7 @@
                 </a:tc>
                 <a:extLst>
                   <a:ext uri="{0D108BD9-81ED-4DB2-BD59-A6C34878D82A}">
-                    <a16:rowId xmlns:a16="http://schemas.microsoft.com/office/drawing/2014/main" val="2530068117"/>
+                    <a16:rowId xmlns:a16="http://schemas.microsoft.com/office/drawing/2014/main" xmlns="" val="2530068117"/>
                   </a:ext>
                 </a:extLst>
               </a:tr>
@@ -5372,7 +5720,7 @@
                 </a:tc>
                 <a:extLst>
                   <a:ext uri="{0D108BD9-81ED-4DB2-BD59-A6C34878D82A}">
-                    <a16:rowId xmlns:a16="http://schemas.microsoft.com/office/drawing/2014/main" val="1712611614"/>
+                    <a16:rowId xmlns:a16="http://schemas.microsoft.com/office/drawing/2014/main" xmlns="" val="1712611614"/>
                   </a:ext>
                 </a:extLst>
               </a:tr>
@@ -5385,7 +5733,7 @@
           <p:cNvPr id="9" name="Minus Sign 8">
             <a:extLst>
               <a:ext uri="{FF2B5EF4-FFF2-40B4-BE49-F238E27FC236}">
-                <a16:creationId xmlns:a16="http://schemas.microsoft.com/office/drawing/2014/main" id="{C294297A-702B-420D-8DAB-6D877733E6A7}"/>
+                <a16:creationId xmlns:a16="http://schemas.microsoft.com/office/drawing/2014/main" xmlns="" id="{C294297A-702B-420D-8DAB-6D877733E6A7}"/>
               </a:ext>
             </a:extLst>
           </p:cNvPr>
@@ -5434,7 +5782,7 @@
           <p:cNvPr id="11" name="Rectangle 10">
             <a:extLst>
               <a:ext uri="{FF2B5EF4-FFF2-40B4-BE49-F238E27FC236}">
-                <a16:creationId xmlns:a16="http://schemas.microsoft.com/office/drawing/2014/main" id="{532EEA3E-1403-4EF4-B27A-0C256CF5CF22}"/>
+                <a16:creationId xmlns:a16="http://schemas.microsoft.com/office/drawing/2014/main" xmlns="" id="{532EEA3E-1403-4EF4-B27A-0C256CF5CF22}"/>
               </a:ext>
             </a:extLst>
           </p:cNvPr>
@@ -5473,10 +5821,26 @@
                   </a:outerShdw>
                 </a:effectLst>
               </a:rPr>
-              <a:t>Exceção - </a:t>
-            </a:r>
-            <a:r>
-              <a:rPr lang="pt-BR" sz="2300" dirty="0">
+              <a:t>Exceção </a:t>
+            </a:r>
+            <a:r>
+              <a:rPr lang="pt-BR" sz="2300" b="1" dirty="0" smtClean="0">
+                <a:ln w="0"/>
+                <a:solidFill>
+                  <a:srgbClr val="FFFF00"/>
+                </a:solidFill>
+                <a:effectLst>
+                  <a:outerShdw blurRad="38100" dist="19050" dir="2700000" algn="tl" rotWithShape="0">
+                    <a:schemeClr val="dk1">
+                      <a:alpha val="40000"/>
+                    </a:schemeClr>
+                  </a:outerShdw>
+                </a:effectLst>
+              </a:rPr>
+              <a:t>– </a:t>
+            </a:r>
+            <a:r>
+              <a:rPr lang="pt-BR" sz="2300" dirty="0" smtClean="0">
                 <a:ln w="0"/>
                 <a:solidFill>
                   <a:schemeClr val="bg1"/>
@@ -5489,7 +5853,7 @@
                   </a:outerShdw>
                 </a:effectLst>
               </a:rPr>
-              <a:t>Quando </a:t>
+              <a:t>Quando o </a:t>
             </a:r>
             <a:r>
               <a:rPr lang="pt-BR" sz="2300" b="1" dirty="0">
@@ -5595,7 +5959,7 @@
           <p:cNvPr id="2" name="Plus Sign 1">
             <a:extLst>
               <a:ext uri="{FF2B5EF4-FFF2-40B4-BE49-F238E27FC236}">
-                <a16:creationId xmlns:a16="http://schemas.microsoft.com/office/drawing/2014/main" id="{91D0D3F4-BEDC-4F58-B0EC-A7D9ACF037DA}"/>
+                <a16:creationId xmlns:a16="http://schemas.microsoft.com/office/drawing/2014/main" xmlns="" id="{91D0D3F4-BEDC-4F58-B0EC-A7D9ACF037DA}"/>
               </a:ext>
             </a:extLst>
           </p:cNvPr>
@@ -5634,6 +5998,227 @@
           </a:p>
         </p:txBody>
       </p:sp>
+      <p:sp>
+        <p:nvSpPr>
+          <p:cNvPr id="12" name="Rectangle 14">
+            <a:extLst>
+              <a:ext uri="{FF2B5EF4-FFF2-40B4-BE49-F238E27FC236}">
+                <a16:creationId xmlns:a16="http://schemas.microsoft.com/office/drawing/2014/main" xmlns="" id="{88C45C25-BF1B-4018-8A33-8F627F02D4A4}"/>
+              </a:ext>
+            </a:extLst>
+          </p:cNvPr>
+          <p:cNvSpPr/>
+          <p:nvPr/>
+        </p:nvSpPr>
+        <p:spPr>
+          <a:xfrm>
+            <a:off x="5313677" y="2060588"/>
+            <a:ext cx="2922502" cy="446276"/>
+          </a:xfrm>
+          <a:prstGeom prst="rect">
+            <a:avLst/>
+          </a:prstGeom>
+          <a:noFill/>
+        </p:spPr>
+        <p:txBody>
+          <a:bodyPr wrap="square" lIns="91440" tIns="45720" rIns="91440" bIns="45720">
+            <a:spAutoFit/>
+          </a:bodyPr>
+          <a:lstStyle/>
+          <a:p>
+            <a:r>
+              <a:rPr lang="pt-BR" sz="2300" dirty="0">
+                <a:ln w="0"/>
+                <a:solidFill>
+                  <a:schemeClr val="bg1"/>
+                </a:solidFill>
+                <a:effectLst>
+                  <a:outerShdw blurRad="38100" dist="19050" dir="2700000" algn="tl" rotWithShape="0">
+                    <a:schemeClr val="dk1">
+                      <a:alpha val="40000"/>
+                    </a:schemeClr>
+                  </a:outerShdw>
+                </a:effectLst>
+              </a:rPr>
+              <a:t> </a:t>
+            </a:r>
+            <a:r>
+              <a:rPr lang="pt-BR" sz="2300" dirty="0" smtClean="0">
+                <a:ln w="0"/>
+                <a:solidFill>
+                  <a:schemeClr val="bg1"/>
+                </a:solidFill>
+                <a:effectLst>
+                  <a:outerShdw blurRad="38100" dist="19050" dir="2700000" algn="tl" rotWithShape="0">
+                    <a:schemeClr val="dk1">
+                      <a:alpha val="40000"/>
+                    </a:schemeClr>
+                  </a:outerShdw>
+                </a:effectLst>
+              </a:rPr>
+              <a:t>               </a:t>
+            </a:r>
+            <a:r>
+              <a:rPr lang="pt-BR" sz="2300" dirty="0" smtClean="0">
+                <a:ln w="0"/>
+                <a:solidFill>
+                  <a:schemeClr val="bg1"/>
+                </a:solidFill>
+                <a:effectLst>
+                  <a:outerShdw blurRad="38100" dist="19050" dir="2700000" algn="tl" rotWithShape="0">
+                    <a:schemeClr val="dk1">
+                      <a:alpha val="40000"/>
+                    </a:schemeClr>
+                  </a:outerShdw>
+                </a:effectLst>
+              </a:rPr>
+              <a:t> </a:t>
+            </a:r>
+            <a:r>
+              <a:rPr lang="pt-BR" sz="2300" dirty="0" smtClean="0">
+                <a:ln w="0"/>
+                <a:solidFill>
+                  <a:schemeClr val="bg1"/>
+                </a:solidFill>
+                <a:effectLst>
+                  <a:outerShdw blurRad="38100" dist="19050" dir="2700000" algn="tl" rotWithShape="0">
+                    <a:schemeClr val="dk1">
+                      <a:alpha val="40000"/>
+                    </a:schemeClr>
+                  </a:outerShdw>
+                </a:effectLst>
+              </a:rPr>
+              <a:t>– </a:t>
+            </a:r>
+            <a:r>
+              <a:rPr lang="pt-BR" sz="2300" b="1" dirty="0" smtClean="0">
+                <a:ln w="0"/>
+                <a:solidFill>
+                  <a:srgbClr val="FFFF00"/>
+                </a:solidFill>
+                <a:effectLst>
+                  <a:outerShdw blurRad="38100" dist="19050" dir="2700000" algn="tl" rotWithShape="0">
+                    <a:schemeClr val="dk1">
+                      <a:alpha val="40000"/>
+                    </a:schemeClr>
+                  </a:outerShdw>
+                </a:effectLst>
+              </a:rPr>
+              <a:t>X</a:t>
+            </a:r>
+            <a:r>
+              <a:rPr lang="pt-BR" sz="2300" dirty="0" smtClean="0">
+                <a:ln w="0"/>
+                <a:solidFill>
+                  <a:schemeClr val="bg1"/>
+                </a:solidFill>
+                <a:effectLst>
+                  <a:outerShdw blurRad="38100" dist="19050" dir="2700000" algn="tl" rotWithShape="0">
+                    <a:schemeClr val="dk1">
+                      <a:alpha val="40000"/>
+                    </a:schemeClr>
+                  </a:outerShdw>
+                </a:effectLst>
+              </a:rPr>
+              <a:t> </a:t>
+            </a:r>
+            <a:r>
+              <a:rPr lang="pt-BR" sz="2300" dirty="0" smtClean="0">
+                <a:ln w="0"/>
+                <a:solidFill>
+                  <a:schemeClr val="bg1"/>
+                </a:solidFill>
+                <a:effectLst>
+                  <a:outerShdw blurRad="38100" dist="19050" dir="2700000" algn="tl" rotWithShape="0">
+                    <a:schemeClr val="dk1">
+                      <a:alpha val="40000"/>
+                    </a:schemeClr>
+                  </a:outerShdw>
+                </a:effectLst>
+              </a:rPr>
+              <a:t>– </a:t>
+            </a:r>
+            <a:r>
+              <a:rPr lang="pt-BR" sz="2300" b="1" dirty="0" smtClean="0">
+                <a:ln w="0"/>
+                <a:solidFill>
+                  <a:srgbClr val="FFFF00"/>
+                </a:solidFill>
+                <a:effectLst>
+                  <a:outerShdw blurRad="38100" dist="19050" dir="2700000" algn="tl" rotWithShape="0">
+                    <a:schemeClr val="dk1">
+                      <a:alpha val="40000"/>
+                    </a:schemeClr>
+                  </a:outerShdw>
+                </a:effectLst>
+              </a:rPr>
+              <a:t>Y</a:t>
+            </a:r>
+            <a:r>
+              <a:rPr lang="pt-BR" sz="2300" dirty="0" smtClean="0">
+                <a:ln w="0"/>
+                <a:solidFill>
+                  <a:schemeClr val="bg1"/>
+                </a:solidFill>
+                <a:effectLst>
+                  <a:outerShdw blurRad="38100" dist="19050" dir="2700000" algn="tl" rotWithShape="0">
+                    <a:schemeClr val="dk1">
+                      <a:alpha val="40000"/>
+                    </a:schemeClr>
+                  </a:outerShdw>
+                </a:effectLst>
+              </a:rPr>
+              <a:t> = ? </a:t>
+            </a:r>
+            <a:endParaRPr lang="en-US" sz="2300" b="0" cap="none" spc="0" dirty="0">
+              <a:ln w="0"/>
+              <a:solidFill>
+                <a:schemeClr val="bg1"/>
+              </a:solidFill>
+              <a:effectLst>
+                <a:outerShdw blurRad="38100" dist="19050" dir="2700000" algn="tl" rotWithShape="0">
+                  <a:schemeClr val="dk1">
+                    <a:alpha val="40000"/>
+                  </a:schemeClr>
+                </a:outerShdw>
+              </a:effectLst>
+            </a:endParaRPr>
+          </a:p>
+        </p:txBody>
+      </p:sp>
+      <p:pic>
+        <p:nvPicPr>
+          <p:cNvPr id="3" name="Som gravado">
+            <a:hlinkClick r:id="" action="ppaction://media"/>
+          </p:cNvPr>
+          <p:cNvPicPr>
+            <a:picLocks noChangeAspect="1"/>
+          </p:cNvPicPr>
+          <p:nvPr>
+            <a:audioFile r:link="rId2"/>
+            <p:extLst>
+              <p:ext uri="{DAA4B4D4-6D71-4841-9C94-3DE7FCFB9230}">
+                <p14:media xmlns:p14="http://schemas.microsoft.com/office/powerpoint/2010/main" r:embed="rId1"/>
+              </p:ext>
+            </p:extLst>
+          </p:nvPr>
+        </p:nvPicPr>
+        <p:blipFill>
+          <a:blip r:embed="rId5"/>
+          <a:stretch>
+            <a:fillRect/>
+          </a:stretch>
+        </p:blipFill>
+        <p:spPr>
+          <a:xfrm>
+            <a:off x="404886" y="22433"/>
+            <a:ext cx="487363" cy="487363"/>
+          </a:xfrm>
+          <a:prstGeom prst="rect">
+            <a:avLst/>
+          </a:prstGeom>
+        </p:spPr>
+      </p:pic>
     </p:spTree>
     <p:extLst>
       <p:ext uri="{BB962C8B-B14F-4D97-AF65-F5344CB8AC3E}">
@@ -5644,9 +6229,113 @@
   <p:clrMapOvr>
     <a:masterClrMapping/>
   </p:clrMapOvr>
-  <p:transition spd="slow">
-    <p:wipe/>
-  </p:transition>
+  <mc:AlternateContent xmlns:mc="http://schemas.openxmlformats.org/markup-compatibility/2006">
+    <mc:Choice xmlns:p14="http://schemas.microsoft.com/office/powerpoint/2010/main" Requires="p14">
+      <p:transition spd="slow" p14:dur="1600" advTm="44223">
+        <p14:prism isContent="1" isInverted="1"/>
+      </p:transition>
+    </mc:Choice>
+    <mc:Fallback>
+      <p:transition spd="slow" advTm="44223">
+        <p:fade/>
+      </p:transition>
+    </mc:Fallback>
+  </mc:AlternateContent>
+  <p:timing>
+    <p:tnLst>
+      <p:par>
+        <p:cTn id="1" dur="indefinite" restart="never" nodeType="tmRoot">
+          <p:childTnLst>
+            <p:seq concurrent="1" nextAc="seek">
+              <p:cTn id="2" dur="indefinite" nodeType="mainSeq">
+                <p:childTnLst>
+                  <p:par>
+                    <p:cTn id="3" fill="hold">
+                      <p:stCondLst>
+                        <p:cond delay="indefinite"/>
+                        <p:cond evt="onBegin" delay="0">
+                          <p:tn val="2"/>
+                        </p:cond>
+                      </p:stCondLst>
+                      <p:childTnLst>
+                        <p:par>
+                          <p:cTn id="4" fill="hold">
+                            <p:stCondLst>
+                              <p:cond delay="0"/>
+                            </p:stCondLst>
+                            <p:childTnLst>
+                              <p:par>
+                                <p:cTn id="5" presetID="1" presetClass="mediacall" presetSubtype="0" fill="hold" nodeType="afterEffect">
+                                  <p:stCondLst>
+                                    <p:cond delay="0"/>
+                                  </p:stCondLst>
+                                  <p:childTnLst>
+                                    <p:cmd type="call" cmd="playFrom(0.0)">
+                                      <p:cBhvr>
+                                        <p:cTn id="6" dur="43003" fill="hold"/>
+                                        <p:tgtEl>
+                                          <p:spTgt spid="3"/>
+                                        </p:tgtEl>
+                                      </p:cBhvr>
+                                    </p:cmd>
+                                  </p:childTnLst>
+                                </p:cTn>
+                              </p:par>
+                            </p:childTnLst>
+                          </p:cTn>
+                        </p:par>
+                      </p:childTnLst>
+                    </p:cTn>
+                  </p:par>
+                </p:childTnLst>
+              </p:cTn>
+              <p:prevCondLst>
+                <p:cond evt="onPrev" delay="0">
+                  <p:tgtEl>
+                    <p:sldTgt/>
+                  </p:tgtEl>
+                </p:cond>
+              </p:prevCondLst>
+              <p:nextCondLst>
+                <p:cond evt="onNext" delay="0">
+                  <p:tgtEl>
+                    <p:sldTgt/>
+                  </p:tgtEl>
+                </p:cond>
+              </p:nextCondLst>
+            </p:seq>
+            <p:audio>
+              <p:cMediaNode vol="100000">
+                <p:cTn id="7" fill="hold" display="0">
+                  <p:stCondLst>
+                    <p:cond delay="indefinite"/>
+                  </p:stCondLst>
+                  <p:endCondLst>
+                    <p:cond evt="onStopAudio" delay="0">
+                      <p:tgtEl>
+                        <p:sldTgt/>
+                      </p:tgtEl>
+                    </p:cond>
+                  </p:endCondLst>
+                </p:cTn>
+                <p:tgtEl>
+                  <p:spTgt spid="3"/>
+                </p:tgtEl>
+              </p:cMediaNode>
+            </p:audio>
+          </p:childTnLst>
+        </p:cTn>
+      </p:par>
+    </p:tnLst>
+  </p:timing>
+  <p:extLst>
+    <p:ext uri="{E180D4A7-C9FB-4DFB-919C-405C955672EB}">
+      <p14:showEvtLst xmlns:p14="http://schemas.microsoft.com/office/powerpoint/2010/main">
+        <p14:playEvt time="1123" objId="3"/>
+        <p14:stopEvt time="44223" objId="3"/>
+      </p14:showEvtLst>
+    </p:ext>
+  </p:extLst>
 </p:sld>
 </file>
 
@@ -5672,7 +6361,7 @@
           <p:cNvPr id="5" name="Rectangle 4">
             <a:extLst>
               <a:ext uri="{FF2B5EF4-FFF2-40B4-BE49-F238E27FC236}">
-                <a16:creationId xmlns:a16="http://schemas.microsoft.com/office/drawing/2014/main" id="{6B3D22E0-3304-47C3-A13D-F3314EEBFA56}"/>
+                <a16:creationId xmlns:a16="http://schemas.microsoft.com/office/drawing/2014/main" xmlns="" id="{6B3D22E0-3304-47C3-A13D-F3314EEBFA56}"/>
               </a:ext>
             </a:extLst>
           </p:cNvPr>
@@ -5756,7 +6445,7 @@
           <p:cNvPr id="8" name="Rectangle 7">
             <a:extLst>
               <a:ext uri="{FF2B5EF4-FFF2-40B4-BE49-F238E27FC236}">
-                <a16:creationId xmlns:a16="http://schemas.microsoft.com/office/drawing/2014/main" id="{9A0DF3A1-7C0C-4F2B-AC19-D85A14774D75}"/>
+                <a16:creationId xmlns:a16="http://schemas.microsoft.com/office/drawing/2014/main" xmlns="" id="{9A0DF3A1-7C0C-4F2B-AC19-D85A14774D75}"/>
               </a:ext>
             </a:extLst>
           </p:cNvPr>
@@ -5829,7 +6518,7 @@
           <p:cNvPr id="14" name="Arrow: Right 13">
             <a:extLst>
               <a:ext uri="{FF2B5EF4-FFF2-40B4-BE49-F238E27FC236}">
-                <a16:creationId xmlns:a16="http://schemas.microsoft.com/office/drawing/2014/main" id="{796CEA44-310B-44B9-9452-370144CD966E}"/>
+                <a16:creationId xmlns:a16="http://schemas.microsoft.com/office/drawing/2014/main" xmlns="" id="{796CEA44-310B-44B9-9452-370144CD966E}"/>
               </a:ext>
             </a:extLst>
           </p:cNvPr>
@@ -5883,7 +6572,7 @@
           <p:cNvPr id="13" name="Rectangle 12">
             <a:extLst>
               <a:ext uri="{FF2B5EF4-FFF2-40B4-BE49-F238E27FC236}">
-                <a16:creationId xmlns:a16="http://schemas.microsoft.com/office/drawing/2014/main" id="{10403570-33C6-4D52-8ECF-EC0A6BFC6193}"/>
+                <a16:creationId xmlns:a16="http://schemas.microsoft.com/office/drawing/2014/main" xmlns="" id="{10403570-33C6-4D52-8ECF-EC0A6BFC6193}"/>
               </a:ext>
             </a:extLst>
           </p:cNvPr>
@@ -6042,7 +6731,7 @@
           <p:cNvPr id="15" name="Rectangle 14">
             <a:extLst>
               <a:ext uri="{FF2B5EF4-FFF2-40B4-BE49-F238E27FC236}">
-                <a16:creationId xmlns:a16="http://schemas.microsoft.com/office/drawing/2014/main" id="{88C45C25-BF1B-4018-8A33-8F627F02D4A4}"/>
+                <a16:creationId xmlns:a16="http://schemas.microsoft.com/office/drawing/2014/main" xmlns="" id="{88C45C25-BF1B-4018-8A33-8F627F02D4A4}"/>
               </a:ext>
             </a:extLst>
           </p:cNvPr>
@@ -6102,7 +6791,7 @@
           <p:cNvPr id="10" name="Table 9">
             <a:extLst>
               <a:ext uri="{FF2B5EF4-FFF2-40B4-BE49-F238E27FC236}">
-                <a16:creationId xmlns:a16="http://schemas.microsoft.com/office/drawing/2014/main" id="{A3C33157-FA5E-498D-B93C-73F8CAEE1A5D}"/>
+                <a16:creationId xmlns:a16="http://schemas.microsoft.com/office/drawing/2014/main" xmlns="" id="{A3C33157-FA5E-498D-B93C-73F8CAEE1A5D}"/>
               </a:ext>
             </a:extLst>
           </p:cNvPr>
@@ -6131,28 +6820,28 @@
                 <a:gridCol w="834080">
                   <a:extLst>
                     <a:ext uri="{9D8B030D-6E8A-4147-A177-3AD203B41FA5}">
-                      <a16:colId xmlns:a16="http://schemas.microsoft.com/office/drawing/2014/main" val="2514592082"/>
+                      <a16:colId xmlns:a16="http://schemas.microsoft.com/office/drawing/2014/main" xmlns="" val="2514592082"/>
                     </a:ext>
                   </a:extLst>
                 </a:gridCol>
                 <a:gridCol w="834080">
                   <a:extLst>
                     <a:ext uri="{9D8B030D-6E8A-4147-A177-3AD203B41FA5}">
-                      <a16:colId xmlns:a16="http://schemas.microsoft.com/office/drawing/2014/main" val="1972351707"/>
+                      <a16:colId xmlns:a16="http://schemas.microsoft.com/office/drawing/2014/main" xmlns="" val="1972351707"/>
                     </a:ext>
                   </a:extLst>
                 </a:gridCol>
                 <a:gridCol w="834080">
                   <a:extLst>
                     <a:ext uri="{9D8B030D-6E8A-4147-A177-3AD203B41FA5}">
-                      <a16:colId xmlns:a16="http://schemas.microsoft.com/office/drawing/2014/main" val="130078612"/>
+                      <a16:colId xmlns:a16="http://schemas.microsoft.com/office/drawing/2014/main" xmlns="" val="130078612"/>
                     </a:ext>
                   </a:extLst>
                 </a:gridCol>
                 <a:gridCol w="834080">
                   <a:extLst>
                     <a:ext uri="{9D8B030D-6E8A-4147-A177-3AD203B41FA5}">
-                      <a16:colId xmlns:a16="http://schemas.microsoft.com/office/drawing/2014/main" val="3594532491"/>
+                      <a16:colId xmlns:a16="http://schemas.microsoft.com/office/drawing/2014/main" xmlns="" val="3594532491"/>
                     </a:ext>
                   </a:extLst>
                 </a:gridCol>
@@ -6322,7 +7011,7 @@
                 </a:tc>
                 <a:extLst>
                   <a:ext uri="{0D108BD9-81ED-4DB2-BD59-A6C34878D82A}">
-                    <a16:rowId xmlns:a16="http://schemas.microsoft.com/office/drawing/2014/main" val="1648878484"/>
+                    <a16:rowId xmlns:a16="http://schemas.microsoft.com/office/drawing/2014/main" xmlns="" val="1648878484"/>
                   </a:ext>
                 </a:extLst>
               </a:tr>
@@ -6496,7 +7185,7 @@
                 </a:tc>
                 <a:extLst>
                   <a:ext uri="{0D108BD9-81ED-4DB2-BD59-A6C34878D82A}">
-                    <a16:rowId xmlns:a16="http://schemas.microsoft.com/office/drawing/2014/main" val="3110016024"/>
+                    <a16:rowId xmlns:a16="http://schemas.microsoft.com/office/drawing/2014/main" xmlns="" val="3110016024"/>
                   </a:ext>
                 </a:extLst>
               </a:tr>
@@ -6678,7 +7367,7 @@
                 </a:tc>
                 <a:extLst>
                   <a:ext uri="{0D108BD9-81ED-4DB2-BD59-A6C34878D82A}">
-                    <a16:rowId xmlns:a16="http://schemas.microsoft.com/office/drawing/2014/main" val="2530068117"/>
+                    <a16:rowId xmlns:a16="http://schemas.microsoft.com/office/drawing/2014/main" xmlns="" val="2530068117"/>
                   </a:ext>
                 </a:extLst>
               </a:tr>
@@ -6860,7 +7549,7 @@
                 </a:tc>
                 <a:extLst>
                   <a:ext uri="{0D108BD9-81ED-4DB2-BD59-A6C34878D82A}">
-                    <a16:rowId xmlns:a16="http://schemas.microsoft.com/office/drawing/2014/main" val="1712611614"/>
+                    <a16:rowId xmlns:a16="http://schemas.microsoft.com/office/drawing/2014/main" xmlns="" val="1712611614"/>
                   </a:ext>
                 </a:extLst>
               </a:tr>
@@ -6873,7 +7562,7 @@
           <p:cNvPr id="9" name="Minus Sign 8">
             <a:extLst>
               <a:ext uri="{FF2B5EF4-FFF2-40B4-BE49-F238E27FC236}">
-                <a16:creationId xmlns:a16="http://schemas.microsoft.com/office/drawing/2014/main" id="{C294297A-702B-420D-8DAB-6D877733E6A7}"/>
+                <a16:creationId xmlns:a16="http://schemas.microsoft.com/office/drawing/2014/main" xmlns="" id="{C294297A-702B-420D-8DAB-6D877733E6A7}"/>
               </a:ext>
             </a:extLst>
           </p:cNvPr>
@@ -6922,7 +7611,7 @@
           <p:cNvPr id="11" name="Rectangle 10">
             <a:extLst>
               <a:ext uri="{FF2B5EF4-FFF2-40B4-BE49-F238E27FC236}">
-                <a16:creationId xmlns:a16="http://schemas.microsoft.com/office/drawing/2014/main" id="{532EEA3E-1403-4EF4-B27A-0C256CF5CF22}"/>
+                <a16:creationId xmlns:a16="http://schemas.microsoft.com/office/drawing/2014/main" xmlns="" id="{532EEA3E-1403-4EF4-B27A-0C256CF5CF22}"/>
               </a:ext>
             </a:extLst>
           </p:cNvPr>
@@ -7083,7 +7772,7 @@
           <p:cNvPr id="2" name="Plus Sign 1">
             <a:extLst>
               <a:ext uri="{FF2B5EF4-FFF2-40B4-BE49-F238E27FC236}">
-                <a16:creationId xmlns:a16="http://schemas.microsoft.com/office/drawing/2014/main" id="{91D0D3F4-BEDC-4F58-B0EC-A7D9ACF037DA}"/>
+                <a16:creationId xmlns:a16="http://schemas.microsoft.com/office/drawing/2014/main" xmlns="" id="{91D0D3F4-BEDC-4F58-B0EC-A7D9ACF037DA}"/>
               </a:ext>
             </a:extLst>
           </p:cNvPr>
@@ -7122,6 +7811,39 @@
           </a:p>
         </p:txBody>
       </p:sp>
+      <p:pic>
+        <p:nvPicPr>
+          <p:cNvPr id="4" name="Som gravado">
+            <a:hlinkClick r:id="" action="ppaction://media"/>
+          </p:cNvPr>
+          <p:cNvPicPr>
+            <a:picLocks noChangeAspect="1"/>
+          </p:cNvPicPr>
+          <p:nvPr>
+            <a:audioFile r:link="rId2"/>
+            <p:extLst>
+              <p:ext uri="{DAA4B4D4-6D71-4841-9C94-3DE7FCFB9230}">
+                <p14:media xmlns:p14="http://schemas.microsoft.com/office/powerpoint/2010/main" r:embed="rId1"/>
+              </p:ext>
+            </p:extLst>
+          </p:nvPr>
+        </p:nvPicPr>
+        <p:blipFill>
+          <a:blip r:embed="rId5"/>
+          <a:stretch>
+            <a:fillRect/>
+          </a:stretch>
+        </p:blipFill>
+        <p:spPr>
+          <a:xfrm>
+            <a:off x="314421" y="22433"/>
+            <a:ext cx="487363" cy="487363"/>
+          </a:xfrm>
+          <a:prstGeom prst="rect">
+            <a:avLst/>
+          </a:prstGeom>
+        </p:spPr>
+      </p:pic>
     </p:spTree>
     <p:extLst>
       <p:ext uri="{BB962C8B-B14F-4D97-AF65-F5344CB8AC3E}">
@@ -7132,9 +7854,113 @@
   <p:clrMapOvr>
     <a:masterClrMapping/>
   </p:clrMapOvr>
-  <p:transition spd="slow">
-    <p:wipe/>
-  </p:transition>
+  <mc:AlternateContent xmlns:mc="http://schemas.openxmlformats.org/markup-compatibility/2006">
+    <mc:Choice xmlns:p14="http://schemas.microsoft.com/office/powerpoint/2010/main" Requires="p14">
+      <p:transition spd="slow" p14:dur="1600" advTm="17416">
+        <p14:prism isContent="1" isInverted="1"/>
+      </p:transition>
+    </mc:Choice>
+    <mc:Fallback>
+      <p:transition spd="slow" advTm="17416">
+        <p:fade/>
+      </p:transition>
+    </mc:Fallback>
+  </mc:AlternateContent>
+  <p:timing>
+    <p:tnLst>
+      <p:par>
+        <p:cTn id="1" dur="indefinite" restart="never" nodeType="tmRoot">
+          <p:childTnLst>
+            <p:seq concurrent="1" nextAc="seek">
+              <p:cTn id="2" dur="indefinite" nodeType="mainSeq">
+                <p:childTnLst>
+                  <p:par>
+                    <p:cTn id="3" fill="hold">
+                      <p:stCondLst>
+                        <p:cond delay="indefinite"/>
+                        <p:cond evt="onBegin" delay="0">
+                          <p:tn val="2"/>
+                        </p:cond>
+                      </p:stCondLst>
+                      <p:childTnLst>
+                        <p:par>
+                          <p:cTn id="4" fill="hold">
+                            <p:stCondLst>
+                              <p:cond delay="0"/>
+                            </p:stCondLst>
+                            <p:childTnLst>
+                              <p:par>
+                                <p:cTn id="5" presetID="1" presetClass="mediacall" presetSubtype="0" fill="hold" nodeType="afterEffect">
+                                  <p:stCondLst>
+                                    <p:cond delay="0"/>
+                                  </p:stCondLst>
+                                  <p:childTnLst>
+                                    <p:cmd type="call" cmd="playFrom(0.0)">
+                                      <p:cBhvr>
+                                        <p:cTn id="6" dur="15510" fill="hold"/>
+                                        <p:tgtEl>
+                                          <p:spTgt spid="4"/>
+                                        </p:tgtEl>
+                                      </p:cBhvr>
+                                    </p:cmd>
+                                  </p:childTnLst>
+                                </p:cTn>
+                              </p:par>
+                            </p:childTnLst>
+                          </p:cTn>
+                        </p:par>
+                      </p:childTnLst>
+                    </p:cTn>
+                  </p:par>
+                </p:childTnLst>
+              </p:cTn>
+              <p:prevCondLst>
+                <p:cond evt="onPrev" delay="0">
+                  <p:tgtEl>
+                    <p:sldTgt/>
+                  </p:tgtEl>
+                </p:cond>
+              </p:prevCondLst>
+              <p:nextCondLst>
+                <p:cond evt="onNext" delay="0">
+                  <p:tgtEl>
+                    <p:sldTgt/>
+                  </p:tgtEl>
+                </p:cond>
+              </p:nextCondLst>
+            </p:seq>
+            <p:audio>
+              <p:cMediaNode vol="100000">
+                <p:cTn id="7" fill="hold" display="0">
+                  <p:stCondLst>
+                    <p:cond delay="indefinite"/>
+                  </p:stCondLst>
+                  <p:endCondLst>
+                    <p:cond evt="onStopAudio" delay="0">
+                      <p:tgtEl>
+                        <p:sldTgt/>
+                      </p:tgtEl>
+                    </p:cond>
+                  </p:endCondLst>
+                </p:cTn>
+                <p:tgtEl>
+                  <p:spTgt spid="4"/>
+                </p:tgtEl>
+              </p:cMediaNode>
+            </p:audio>
+          </p:childTnLst>
+        </p:cTn>
+      </p:par>
+    </p:tnLst>
+  </p:timing>
+  <p:extLst>
+    <p:ext uri="{E180D4A7-C9FB-4DFB-919C-405C955672EB}">
+      <p14:showEvtLst xmlns:p14="http://schemas.microsoft.com/office/powerpoint/2010/main">
+        <p14:playEvt time="1675" objId="4"/>
+        <p14:stopEvt time="17386" objId="4"/>
+      </p14:showEvtLst>
+    </p:ext>
+  </p:extLst>
 </p:sld>
 </file>
 
@@ -7160,7 +7986,7 @@
           <p:cNvPr id="5" name="Rectangle 4">
             <a:extLst>
               <a:ext uri="{FF2B5EF4-FFF2-40B4-BE49-F238E27FC236}">
-                <a16:creationId xmlns:a16="http://schemas.microsoft.com/office/drawing/2014/main" id="{6B3D22E0-3304-47C3-A13D-F3314EEBFA56}"/>
+                <a16:creationId xmlns:a16="http://schemas.microsoft.com/office/drawing/2014/main" xmlns="" id="{6B3D22E0-3304-47C3-A13D-F3314EEBFA56}"/>
               </a:ext>
             </a:extLst>
           </p:cNvPr>
@@ -7244,7 +8070,7 @@
           <p:cNvPr id="8" name="Rectangle 7">
             <a:extLst>
               <a:ext uri="{FF2B5EF4-FFF2-40B4-BE49-F238E27FC236}">
-                <a16:creationId xmlns:a16="http://schemas.microsoft.com/office/drawing/2014/main" id="{9A0DF3A1-7C0C-4F2B-AC19-D85A14774D75}"/>
+                <a16:creationId xmlns:a16="http://schemas.microsoft.com/office/drawing/2014/main" xmlns="" id="{9A0DF3A1-7C0C-4F2B-AC19-D85A14774D75}"/>
               </a:ext>
             </a:extLst>
           </p:cNvPr>
@@ -7317,7 +8143,7 @@
           <p:cNvPr id="14" name="Arrow: Right 13">
             <a:extLst>
               <a:ext uri="{FF2B5EF4-FFF2-40B4-BE49-F238E27FC236}">
-                <a16:creationId xmlns:a16="http://schemas.microsoft.com/office/drawing/2014/main" id="{796CEA44-310B-44B9-9452-370144CD966E}"/>
+                <a16:creationId xmlns:a16="http://schemas.microsoft.com/office/drawing/2014/main" xmlns="" id="{796CEA44-310B-44B9-9452-370144CD966E}"/>
               </a:ext>
             </a:extLst>
           </p:cNvPr>
@@ -7371,7 +8197,7 @@
           <p:cNvPr id="13" name="Rectangle 12">
             <a:extLst>
               <a:ext uri="{FF2B5EF4-FFF2-40B4-BE49-F238E27FC236}">
-                <a16:creationId xmlns:a16="http://schemas.microsoft.com/office/drawing/2014/main" id="{10403570-33C6-4D52-8ECF-EC0A6BFC6193}"/>
+                <a16:creationId xmlns:a16="http://schemas.microsoft.com/office/drawing/2014/main" xmlns="" id="{10403570-33C6-4D52-8ECF-EC0A6BFC6193}"/>
               </a:ext>
             </a:extLst>
           </p:cNvPr>
@@ -7530,7 +8356,7 @@
           <p:cNvPr id="15" name="Rectangle 14">
             <a:extLst>
               <a:ext uri="{FF2B5EF4-FFF2-40B4-BE49-F238E27FC236}">
-                <a16:creationId xmlns:a16="http://schemas.microsoft.com/office/drawing/2014/main" id="{88C45C25-BF1B-4018-8A33-8F627F02D4A4}"/>
+                <a16:creationId xmlns:a16="http://schemas.microsoft.com/office/drawing/2014/main" xmlns="" id="{88C45C25-BF1B-4018-8A33-8F627F02D4A4}"/>
               </a:ext>
             </a:extLst>
           </p:cNvPr>
@@ -7590,7 +8416,7 @@
           <p:cNvPr id="10" name="Table 9">
             <a:extLst>
               <a:ext uri="{FF2B5EF4-FFF2-40B4-BE49-F238E27FC236}">
-                <a16:creationId xmlns:a16="http://schemas.microsoft.com/office/drawing/2014/main" id="{A3C33157-FA5E-498D-B93C-73F8CAEE1A5D}"/>
+                <a16:creationId xmlns:a16="http://schemas.microsoft.com/office/drawing/2014/main" xmlns="" id="{A3C33157-FA5E-498D-B93C-73F8CAEE1A5D}"/>
               </a:ext>
             </a:extLst>
           </p:cNvPr>
@@ -7619,28 +8445,28 @@
                 <a:gridCol w="834080">
                   <a:extLst>
                     <a:ext uri="{9D8B030D-6E8A-4147-A177-3AD203B41FA5}">
-                      <a16:colId xmlns:a16="http://schemas.microsoft.com/office/drawing/2014/main" val="2514592082"/>
+                      <a16:colId xmlns:a16="http://schemas.microsoft.com/office/drawing/2014/main" xmlns="" val="2514592082"/>
                     </a:ext>
                   </a:extLst>
                 </a:gridCol>
                 <a:gridCol w="834080">
                   <a:extLst>
                     <a:ext uri="{9D8B030D-6E8A-4147-A177-3AD203B41FA5}">
-                      <a16:colId xmlns:a16="http://schemas.microsoft.com/office/drawing/2014/main" val="1972351707"/>
+                      <a16:colId xmlns:a16="http://schemas.microsoft.com/office/drawing/2014/main" xmlns="" val="1972351707"/>
                     </a:ext>
                   </a:extLst>
                 </a:gridCol>
                 <a:gridCol w="834080">
                   <a:extLst>
                     <a:ext uri="{9D8B030D-6E8A-4147-A177-3AD203B41FA5}">
-                      <a16:colId xmlns:a16="http://schemas.microsoft.com/office/drawing/2014/main" val="130078612"/>
+                      <a16:colId xmlns:a16="http://schemas.microsoft.com/office/drawing/2014/main" xmlns="" val="130078612"/>
                     </a:ext>
                   </a:extLst>
                 </a:gridCol>
                 <a:gridCol w="834080">
                   <a:extLst>
                     <a:ext uri="{9D8B030D-6E8A-4147-A177-3AD203B41FA5}">
-                      <a16:colId xmlns:a16="http://schemas.microsoft.com/office/drawing/2014/main" val="3594532491"/>
+                      <a16:colId xmlns:a16="http://schemas.microsoft.com/office/drawing/2014/main" xmlns="" val="3594532491"/>
                     </a:ext>
                   </a:extLst>
                 </a:gridCol>
@@ -7810,7 +8636,7 @@
                 </a:tc>
                 <a:extLst>
                   <a:ext uri="{0D108BD9-81ED-4DB2-BD59-A6C34878D82A}">
-                    <a16:rowId xmlns:a16="http://schemas.microsoft.com/office/drawing/2014/main" val="1648878484"/>
+                    <a16:rowId xmlns:a16="http://schemas.microsoft.com/office/drawing/2014/main" xmlns="" val="1648878484"/>
                   </a:ext>
                 </a:extLst>
               </a:tr>
@@ -7984,7 +8810,7 @@
                 </a:tc>
                 <a:extLst>
                   <a:ext uri="{0D108BD9-81ED-4DB2-BD59-A6C34878D82A}">
-                    <a16:rowId xmlns:a16="http://schemas.microsoft.com/office/drawing/2014/main" val="3110016024"/>
+                    <a16:rowId xmlns:a16="http://schemas.microsoft.com/office/drawing/2014/main" xmlns="" val="3110016024"/>
                   </a:ext>
                 </a:extLst>
               </a:tr>
@@ -8166,7 +8992,7 @@
                 </a:tc>
                 <a:extLst>
                   <a:ext uri="{0D108BD9-81ED-4DB2-BD59-A6C34878D82A}">
-                    <a16:rowId xmlns:a16="http://schemas.microsoft.com/office/drawing/2014/main" val="2530068117"/>
+                    <a16:rowId xmlns:a16="http://schemas.microsoft.com/office/drawing/2014/main" xmlns="" val="2530068117"/>
                   </a:ext>
                 </a:extLst>
               </a:tr>
@@ -8351,7 +9177,7 @@
                 </a:tc>
                 <a:extLst>
                   <a:ext uri="{0D108BD9-81ED-4DB2-BD59-A6C34878D82A}">
-                    <a16:rowId xmlns:a16="http://schemas.microsoft.com/office/drawing/2014/main" val="1712611614"/>
+                    <a16:rowId xmlns:a16="http://schemas.microsoft.com/office/drawing/2014/main" xmlns="" val="1712611614"/>
                   </a:ext>
                 </a:extLst>
               </a:tr>
@@ -8364,7 +9190,7 @@
           <p:cNvPr id="9" name="Minus Sign 8">
             <a:extLst>
               <a:ext uri="{FF2B5EF4-FFF2-40B4-BE49-F238E27FC236}">
-                <a16:creationId xmlns:a16="http://schemas.microsoft.com/office/drawing/2014/main" id="{C294297A-702B-420D-8DAB-6D877733E6A7}"/>
+                <a16:creationId xmlns:a16="http://schemas.microsoft.com/office/drawing/2014/main" xmlns="" id="{C294297A-702B-420D-8DAB-6D877733E6A7}"/>
               </a:ext>
             </a:extLst>
           </p:cNvPr>
@@ -8413,7 +9239,7 @@
           <p:cNvPr id="11" name="Rectangle 10">
             <a:extLst>
               <a:ext uri="{FF2B5EF4-FFF2-40B4-BE49-F238E27FC236}">
-                <a16:creationId xmlns:a16="http://schemas.microsoft.com/office/drawing/2014/main" id="{532EEA3E-1403-4EF4-B27A-0C256CF5CF22}"/>
+                <a16:creationId xmlns:a16="http://schemas.microsoft.com/office/drawing/2014/main" xmlns="" id="{532EEA3E-1403-4EF4-B27A-0C256CF5CF22}"/>
               </a:ext>
             </a:extLst>
           </p:cNvPr>
@@ -8574,7 +9400,7 @@
           <p:cNvPr id="2" name="Plus Sign 1">
             <a:extLst>
               <a:ext uri="{FF2B5EF4-FFF2-40B4-BE49-F238E27FC236}">
-                <a16:creationId xmlns:a16="http://schemas.microsoft.com/office/drawing/2014/main" id="{91D0D3F4-BEDC-4F58-B0EC-A7D9ACF037DA}"/>
+                <a16:creationId xmlns:a16="http://schemas.microsoft.com/office/drawing/2014/main" xmlns="" id="{91D0D3F4-BEDC-4F58-B0EC-A7D9ACF037DA}"/>
               </a:ext>
             </a:extLst>
           </p:cNvPr>
@@ -8613,6 +9439,39 @@
           </a:p>
         </p:txBody>
       </p:sp>
+      <p:pic>
+        <p:nvPicPr>
+          <p:cNvPr id="4" name="Som gravado">
+            <a:hlinkClick r:id="" action="ppaction://media"/>
+          </p:cNvPr>
+          <p:cNvPicPr>
+            <a:picLocks noChangeAspect="1"/>
+          </p:cNvPicPr>
+          <p:nvPr>
+            <a:audioFile r:link="rId2"/>
+            <p:extLst>
+              <p:ext uri="{DAA4B4D4-6D71-4841-9C94-3DE7FCFB9230}">
+                <p14:media xmlns:p14="http://schemas.microsoft.com/office/powerpoint/2010/main" r:embed="rId1"/>
+              </p:ext>
+            </p:extLst>
+          </p:nvPr>
+        </p:nvPicPr>
+        <p:blipFill>
+          <a:blip r:embed="rId5"/>
+          <a:stretch>
+            <a:fillRect/>
+          </a:stretch>
+        </p:blipFill>
+        <p:spPr>
+          <a:xfrm>
+            <a:off x="259373" y="22433"/>
+            <a:ext cx="487363" cy="487363"/>
+          </a:xfrm>
+          <a:prstGeom prst="rect">
+            <a:avLst/>
+          </a:prstGeom>
+        </p:spPr>
+      </p:pic>
     </p:spTree>
     <p:extLst>
       <p:ext uri="{BB962C8B-B14F-4D97-AF65-F5344CB8AC3E}">
@@ -8623,9 +9482,135 @@
   <p:clrMapOvr>
     <a:masterClrMapping/>
   </p:clrMapOvr>
-  <p:transition spd="slow">
-    <p:wipe/>
-  </p:transition>
+  <mc:AlternateContent xmlns:mc="http://schemas.openxmlformats.org/markup-compatibility/2006">
+    <mc:Choice xmlns:p14="http://schemas.microsoft.com/office/powerpoint/2010/main" Requires="p14">
+      <p:transition spd="slow" p14:dur="1600" advTm="19700">
+        <p14:prism isContent="1" isInverted="1"/>
+      </p:transition>
+    </mc:Choice>
+    <mc:Fallback>
+      <p:transition spd="slow" advTm="19700">
+        <p:fade/>
+      </p:transition>
+    </mc:Fallback>
+  </mc:AlternateContent>
+  <p:timing>
+    <p:tnLst>
+      <p:par>
+        <p:cTn id="1" dur="indefinite" restart="never" nodeType="tmRoot">
+          <p:childTnLst>
+            <p:seq concurrent="1" nextAc="seek">
+              <p:cTn id="2" dur="indefinite" nodeType="mainSeq">
+                <p:childTnLst>
+                  <p:par>
+                    <p:cTn id="3" fill="hold">
+                      <p:stCondLst>
+                        <p:cond delay="indefinite"/>
+                        <p:cond evt="onBegin" delay="0">
+                          <p:tn val="2"/>
+                        </p:cond>
+                      </p:stCondLst>
+                      <p:childTnLst>
+                        <p:par>
+                          <p:cTn id="4" fill="hold">
+                            <p:stCondLst>
+                              <p:cond delay="0"/>
+                            </p:stCondLst>
+                            <p:childTnLst>
+                              <p:par>
+                                <p:cTn id="5" presetID="1" presetClass="mediacall" presetSubtype="0" fill="hold" nodeType="afterEffect">
+                                  <p:stCondLst>
+                                    <p:cond delay="0"/>
+                                  </p:stCondLst>
+                                  <p:childTnLst>
+                                    <p:cmd type="call" cmd="playFrom(0.0)">
+                                      <p:cBhvr>
+                                        <p:cTn id="6" dur="16021" fill="hold"/>
+                                        <p:tgtEl>
+                                          <p:spTgt spid="4"/>
+                                        </p:tgtEl>
+                                      </p:cBhvr>
+                                    </p:cmd>
+                                  </p:childTnLst>
+                                </p:cTn>
+                              </p:par>
+                            </p:childTnLst>
+                          </p:cTn>
+                        </p:par>
+                      </p:childTnLst>
+                    </p:cTn>
+                  </p:par>
+                </p:childTnLst>
+              </p:cTn>
+              <p:prevCondLst>
+                <p:cond evt="onPrev" delay="0">
+                  <p:tgtEl>
+                    <p:sldTgt/>
+                  </p:tgtEl>
+                </p:cond>
+              </p:prevCondLst>
+              <p:nextCondLst>
+                <p:cond evt="onNext" delay="0">
+                  <p:tgtEl>
+                    <p:sldTgt/>
+                  </p:tgtEl>
+                </p:cond>
+              </p:nextCondLst>
+            </p:seq>
+            <p:audio>
+              <p:cMediaNode vol="100000">
+                <p:cTn id="7" fill="hold" display="0">
+                  <p:stCondLst>
+                    <p:cond delay="indefinite"/>
+                  </p:stCondLst>
+                  <p:endCondLst>
+                    <p:cond evt="onStopAudio" delay="0">
+                      <p:tgtEl>
+                        <p:sldTgt/>
+                      </p:tgtEl>
+                    </p:cond>
+                  </p:endCondLst>
+                </p:cTn>
+                <p:tgtEl>
+                  <p:spTgt spid="4"/>
+                </p:tgtEl>
+              </p:cMediaNode>
+            </p:audio>
+          </p:childTnLst>
+        </p:cTn>
+      </p:par>
+    </p:tnLst>
+  </p:timing>
+  <p:extLst>
+    <p:ext uri="{E180D4A7-C9FB-4DFB-919C-405C955672EB}">
+      <p14:showEvtLst xmlns:p14="http://schemas.microsoft.com/office/powerpoint/2010/main">
+        <p14:playEvt time="1295" objId="4"/>
+        <p14:pauseEvt time="1295" objId="4"/>
+        <p14:seekEvt time="1295" objId="4" seek="1533"/>
+        <p14:seekEvt time="2949" objId="4" seek="454"/>
+        <p14:seekEvt time="2968" objId="4" seek="227"/>
+        <p14:seekEvt time="2968" objId="4" seek="227"/>
+        <p14:seekEvt time="3167" objId="4" seek="56"/>
+        <p14:seekEvt time="3195" objId="4" seek="0"/>
+        <p14:seekEvt time="3195" objId="4" seek="0"/>
+        <p14:seekEvt time="3243" objId="4" seek="0"/>
+        <p14:seekEvt time="3243" objId="4" seek="0"/>
+        <p14:seekEvt time="3256" objId="4" seek="0"/>
+        <p14:seekEvt time="3281" objId="4" seek="0"/>
+        <p14:seekEvt time="3281" objId="4" seek="0"/>
+        <p14:seekEvt time="3372" objId="4" seek="0"/>
+        <p14:seekEvt time="3402" objId="4" seek="0"/>
+        <p14:seekEvt time="3417" objId="4" seek="0"/>
+        <p14:seekEvt time="3449" objId="4" seek="0"/>
+        <p14:seekEvt time="3480" objId="4" seek="0"/>
+        <p14:seekEvt time="3511" objId="4" seek="0"/>
+        <p14:seekEvt time="3591" objId="4" seek="0"/>
+        <p14:seekEvt time="3621" objId="4" seek="0"/>
+        <p14:resumeEvt time="3948" objId="4"/>
+        <p14:stopEvt time="19700" objId="4"/>
+      </p14:showEvtLst>
+    </p:ext>
+  </p:extLst>
 </p:sld>
 </file>
 
@@ -8651,7 +9636,7 @@
           <p:cNvPr id="5" name="Rectangle 4">
             <a:extLst>
               <a:ext uri="{FF2B5EF4-FFF2-40B4-BE49-F238E27FC236}">
-                <a16:creationId xmlns:a16="http://schemas.microsoft.com/office/drawing/2014/main" id="{6B3D22E0-3304-47C3-A13D-F3314EEBFA56}"/>
+                <a16:creationId xmlns:a16="http://schemas.microsoft.com/office/drawing/2014/main" xmlns="" id="{6B3D22E0-3304-47C3-A13D-F3314EEBFA56}"/>
               </a:ext>
             </a:extLst>
           </p:cNvPr>
@@ -8735,7 +9720,7 @@
           <p:cNvPr id="8" name="Rectangle 7">
             <a:extLst>
               <a:ext uri="{FF2B5EF4-FFF2-40B4-BE49-F238E27FC236}">
-                <a16:creationId xmlns:a16="http://schemas.microsoft.com/office/drawing/2014/main" id="{9A0DF3A1-7C0C-4F2B-AC19-D85A14774D75}"/>
+                <a16:creationId xmlns:a16="http://schemas.microsoft.com/office/drawing/2014/main" xmlns="" id="{9A0DF3A1-7C0C-4F2B-AC19-D85A14774D75}"/>
               </a:ext>
             </a:extLst>
           </p:cNvPr>
@@ -8808,7 +9793,7 @@
           <p:cNvPr id="14" name="Arrow: Right 13">
             <a:extLst>
               <a:ext uri="{FF2B5EF4-FFF2-40B4-BE49-F238E27FC236}">
-                <a16:creationId xmlns:a16="http://schemas.microsoft.com/office/drawing/2014/main" id="{796CEA44-310B-44B9-9452-370144CD966E}"/>
+                <a16:creationId xmlns:a16="http://schemas.microsoft.com/office/drawing/2014/main" xmlns="" id="{796CEA44-310B-44B9-9452-370144CD966E}"/>
               </a:ext>
             </a:extLst>
           </p:cNvPr>
@@ -8862,7 +9847,7 @@
           <p:cNvPr id="13" name="Rectangle 12">
             <a:extLst>
               <a:ext uri="{FF2B5EF4-FFF2-40B4-BE49-F238E27FC236}">
-                <a16:creationId xmlns:a16="http://schemas.microsoft.com/office/drawing/2014/main" id="{10403570-33C6-4D52-8ECF-EC0A6BFC6193}"/>
+                <a16:creationId xmlns:a16="http://schemas.microsoft.com/office/drawing/2014/main" xmlns="" id="{10403570-33C6-4D52-8ECF-EC0A6BFC6193}"/>
               </a:ext>
             </a:extLst>
           </p:cNvPr>
@@ -9021,7 +10006,7 @@
           <p:cNvPr id="15" name="Rectangle 14">
             <a:extLst>
               <a:ext uri="{FF2B5EF4-FFF2-40B4-BE49-F238E27FC236}">
-                <a16:creationId xmlns:a16="http://schemas.microsoft.com/office/drawing/2014/main" id="{88C45C25-BF1B-4018-8A33-8F627F02D4A4}"/>
+                <a16:creationId xmlns:a16="http://schemas.microsoft.com/office/drawing/2014/main" xmlns="" id="{88C45C25-BF1B-4018-8A33-8F627F02D4A4}"/>
               </a:ext>
             </a:extLst>
           </p:cNvPr>
@@ -9081,7 +10066,7 @@
           <p:cNvPr id="10" name="Table 9">
             <a:extLst>
               <a:ext uri="{FF2B5EF4-FFF2-40B4-BE49-F238E27FC236}">
-                <a16:creationId xmlns:a16="http://schemas.microsoft.com/office/drawing/2014/main" id="{A3C33157-FA5E-498D-B93C-73F8CAEE1A5D}"/>
+                <a16:creationId xmlns:a16="http://schemas.microsoft.com/office/drawing/2014/main" xmlns="" id="{A3C33157-FA5E-498D-B93C-73F8CAEE1A5D}"/>
               </a:ext>
             </a:extLst>
           </p:cNvPr>
@@ -9110,28 +10095,28 @@
                 <a:gridCol w="834080">
                   <a:extLst>
                     <a:ext uri="{9D8B030D-6E8A-4147-A177-3AD203B41FA5}">
-                      <a16:colId xmlns:a16="http://schemas.microsoft.com/office/drawing/2014/main" val="2514592082"/>
+                      <a16:colId xmlns:a16="http://schemas.microsoft.com/office/drawing/2014/main" xmlns="" val="2514592082"/>
                     </a:ext>
                   </a:extLst>
                 </a:gridCol>
                 <a:gridCol w="834080">
                   <a:extLst>
                     <a:ext uri="{9D8B030D-6E8A-4147-A177-3AD203B41FA5}">
-                      <a16:colId xmlns:a16="http://schemas.microsoft.com/office/drawing/2014/main" val="1972351707"/>
+                      <a16:colId xmlns:a16="http://schemas.microsoft.com/office/drawing/2014/main" xmlns="" val="1972351707"/>
                     </a:ext>
                   </a:extLst>
                 </a:gridCol>
                 <a:gridCol w="834080">
                   <a:extLst>
                     <a:ext uri="{9D8B030D-6E8A-4147-A177-3AD203B41FA5}">
-                      <a16:colId xmlns:a16="http://schemas.microsoft.com/office/drawing/2014/main" val="130078612"/>
+                      <a16:colId xmlns:a16="http://schemas.microsoft.com/office/drawing/2014/main" xmlns="" val="130078612"/>
                     </a:ext>
                   </a:extLst>
                 </a:gridCol>
                 <a:gridCol w="834080">
                   <a:extLst>
                     <a:ext uri="{9D8B030D-6E8A-4147-A177-3AD203B41FA5}">
-                      <a16:colId xmlns:a16="http://schemas.microsoft.com/office/drawing/2014/main" val="3594532491"/>
+                      <a16:colId xmlns:a16="http://schemas.microsoft.com/office/drawing/2014/main" xmlns="" val="3594532491"/>
                     </a:ext>
                   </a:extLst>
                 </a:gridCol>
@@ -9301,7 +10286,7 @@
                 </a:tc>
                 <a:extLst>
                   <a:ext uri="{0D108BD9-81ED-4DB2-BD59-A6C34878D82A}">
-                    <a16:rowId xmlns:a16="http://schemas.microsoft.com/office/drawing/2014/main" val="1648878484"/>
+                    <a16:rowId xmlns:a16="http://schemas.microsoft.com/office/drawing/2014/main" xmlns="" val="1648878484"/>
                   </a:ext>
                 </a:extLst>
               </a:tr>
@@ -9475,7 +10460,7 @@
                 </a:tc>
                 <a:extLst>
                   <a:ext uri="{0D108BD9-81ED-4DB2-BD59-A6C34878D82A}">
-                    <a16:rowId xmlns:a16="http://schemas.microsoft.com/office/drawing/2014/main" val="3110016024"/>
+                    <a16:rowId xmlns:a16="http://schemas.microsoft.com/office/drawing/2014/main" xmlns="" val="3110016024"/>
                   </a:ext>
                 </a:extLst>
               </a:tr>
@@ -9657,7 +10642,7 @@
                 </a:tc>
                 <a:extLst>
                   <a:ext uri="{0D108BD9-81ED-4DB2-BD59-A6C34878D82A}">
-                    <a16:rowId xmlns:a16="http://schemas.microsoft.com/office/drawing/2014/main" val="2530068117"/>
+                    <a16:rowId xmlns:a16="http://schemas.microsoft.com/office/drawing/2014/main" xmlns="" val="2530068117"/>
                   </a:ext>
                 </a:extLst>
               </a:tr>
@@ -9842,7 +10827,7 @@
                 </a:tc>
                 <a:extLst>
                   <a:ext uri="{0D108BD9-81ED-4DB2-BD59-A6C34878D82A}">
-                    <a16:rowId xmlns:a16="http://schemas.microsoft.com/office/drawing/2014/main" val="1712611614"/>
+                    <a16:rowId xmlns:a16="http://schemas.microsoft.com/office/drawing/2014/main" xmlns="" val="1712611614"/>
                   </a:ext>
                 </a:extLst>
               </a:tr>
@@ -9855,7 +10840,7 @@
           <p:cNvPr id="9" name="Minus Sign 8">
             <a:extLst>
               <a:ext uri="{FF2B5EF4-FFF2-40B4-BE49-F238E27FC236}">
-                <a16:creationId xmlns:a16="http://schemas.microsoft.com/office/drawing/2014/main" id="{C294297A-702B-420D-8DAB-6D877733E6A7}"/>
+                <a16:creationId xmlns:a16="http://schemas.microsoft.com/office/drawing/2014/main" xmlns="" id="{C294297A-702B-420D-8DAB-6D877733E6A7}"/>
               </a:ext>
             </a:extLst>
           </p:cNvPr>
@@ -9904,7 +10889,7 @@
           <p:cNvPr id="11" name="Rectangle 10">
             <a:extLst>
               <a:ext uri="{FF2B5EF4-FFF2-40B4-BE49-F238E27FC236}">
-                <a16:creationId xmlns:a16="http://schemas.microsoft.com/office/drawing/2014/main" id="{532EEA3E-1403-4EF4-B27A-0C256CF5CF22}"/>
+                <a16:creationId xmlns:a16="http://schemas.microsoft.com/office/drawing/2014/main" xmlns="" id="{532EEA3E-1403-4EF4-B27A-0C256CF5CF22}"/>
               </a:ext>
             </a:extLst>
           </p:cNvPr>
@@ -10065,7 +11050,7 @@
           <p:cNvPr id="2" name="Plus Sign 1">
             <a:extLst>
               <a:ext uri="{FF2B5EF4-FFF2-40B4-BE49-F238E27FC236}">
-                <a16:creationId xmlns:a16="http://schemas.microsoft.com/office/drawing/2014/main" id="{91D0D3F4-BEDC-4F58-B0EC-A7D9ACF037DA}"/>
+                <a16:creationId xmlns:a16="http://schemas.microsoft.com/office/drawing/2014/main" xmlns="" id="{91D0D3F4-BEDC-4F58-B0EC-A7D9ACF037DA}"/>
               </a:ext>
             </a:extLst>
           </p:cNvPr>
@@ -10104,6 +11089,39 @@
           </a:p>
         </p:txBody>
       </p:sp>
+      <p:pic>
+        <p:nvPicPr>
+          <p:cNvPr id="3" name="Som gravado">
+            <a:hlinkClick r:id="" action="ppaction://media"/>
+          </p:cNvPr>
+          <p:cNvPicPr>
+            <a:picLocks noChangeAspect="1"/>
+          </p:cNvPicPr>
+          <p:nvPr>
+            <a:audioFile r:link="rId2"/>
+            <p:extLst>
+              <p:ext uri="{DAA4B4D4-6D71-4841-9C94-3DE7FCFB9230}">
+                <p14:media xmlns:p14="http://schemas.microsoft.com/office/powerpoint/2010/main" r:embed="rId1"/>
+              </p:ext>
+            </p:extLst>
+          </p:nvPr>
+        </p:nvPicPr>
+        <p:blipFill>
+          <a:blip r:embed="rId5"/>
+          <a:stretch>
+            <a:fillRect/>
+          </a:stretch>
+        </p:blipFill>
+        <p:spPr>
+          <a:xfrm>
+            <a:off x="182420" y="0"/>
+            <a:ext cx="487363" cy="487363"/>
+          </a:xfrm>
+          <a:prstGeom prst="rect">
+            <a:avLst/>
+          </a:prstGeom>
+        </p:spPr>
+      </p:pic>
     </p:spTree>
     <p:extLst>
       <p:ext uri="{BB962C8B-B14F-4D97-AF65-F5344CB8AC3E}">
@@ -10114,9 +11132,114 @@
   <p:clrMapOvr>
     <a:masterClrMapping/>
   </p:clrMapOvr>
-  <p:transition spd="slow">
-    <p:wipe/>
-  </p:transition>
+  <mc:AlternateContent xmlns:mc="http://schemas.openxmlformats.org/markup-compatibility/2006">
+    <mc:Choice xmlns:p14="http://schemas.microsoft.com/office/powerpoint/2010/main" Requires="p14">
+      <p:transition spd="slow" p14:dur="1600" advTm="17802">
+        <p14:prism isContent="1" isInverted="1"/>
+      </p:transition>
+    </mc:Choice>
+    <mc:Fallback>
+      <p:transition spd="slow" advTm="17802">
+        <p:fade/>
+      </p:transition>
+    </mc:Fallback>
+  </mc:AlternateContent>
+  <p:timing>
+    <p:tnLst>
+      <p:par>
+        <p:cTn id="1" dur="indefinite" restart="never" nodeType="tmRoot">
+          <p:childTnLst>
+            <p:seq concurrent="1" nextAc="seek">
+              <p:cTn id="2" dur="indefinite" nodeType="mainSeq">
+                <p:childTnLst>
+                  <p:par>
+                    <p:cTn id="3" fill="hold">
+                      <p:stCondLst>
+                        <p:cond delay="indefinite"/>
+                        <p:cond evt="onBegin" delay="0">
+                          <p:tn val="2"/>
+                        </p:cond>
+                      </p:stCondLst>
+                      <p:childTnLst>
+                        <p:par>
+                          <p:cTn id="4" fill="hold">
+                            <p:stCondLst>
+                              <p:cond delay="0"/>
+                            </p:stCondLst>
+                            <p:childTnLst>
+                              <p:par>
+                                <p:cTn id="5" presetID="1" presetClass="mediacall" presetSubtype="0" fill="hold" nodeType="afterEffect">
+                                  <p:stCondLst>
+                                    <p:cond delay="0"/>
+                                  </p:stCondLst>
+                                  <p:childTnLst>
+                                    <p:cmd type="call" cmd="playFrom(0.0)">
+                                      <p:cBhvr>
+                                        <p:cTn id="6" dur="21083" fill="hold"/>
+                                        <p:tgtEl>
+                                          <p:spTgt spid="3"/>
+                                        </p:tgtEl>
+                                      </p:cBhvr>
+                                    </p:cmd>
+                                  </p:childTnLst>
+                                </p:cTn>
+                              </p:par>
+                            </p:childTnLst>
+                          </p:cTn>
+                        </p:par>
+                      </p:childTnLst>
+                    </p:cTn>
+                  </p:par>
+                </p:childTnLst>
+              </p:cTn>
+              <p:prevCondLst>
+                <p:cond evt="onPrev" delay="0">
+                  <p:tgtEl>
+                    <p:sldTgt/>
+                  </p:tgtEl>
+                </p:cond>
+              </p:prevCondLst>
+              <p:nextCondLst>
+                <p:cond evt="onNext" delay="0">
+                  <p:tgtEl>
+                    <p:sldTgt/>
+                  </p:tgtEl>
+                </p:cond>
+              </p:nextCondLst>
+            </p:seq>
+            <p:audio>
+              <p:cMediaNode vol="100000">
+                <p:cTn id="7" fill="hold" display="0">
+                  <p:stCondLst>
+                    <p:cond delay="indefinite"/>
+                  </p:stCondLst>
+                  <p:endCondLst>
+                    <p:cond evt="onStopAudio" delay="0">
+                      <p:tgtEl>
+                        <p:sldTgt/>
+                      </p:tgtEl>
+                    </p:cond>
+                  </p:endCondLst>
+                </p:cTn>
+                <p:tgtEl>
+                  <p:spTgt spid="3"/>
+                </p:tgtEl>
+              </p:cMediaNode>
+            </p:audio>
+          </p:childTnLst>
+        </p:cTn>
+      </p:par>
+    </p:tnLst>
+  </p:timing>
+  <p:extLst>
+    <p:ext uri="{E180D4A7-C9FB-4DFB-919C-405C955672EB}">
+      <p14:showEvtLst xmlns:p14="http://schemas.microsoft.com/office/powerpoint/2010/main">
+        <p14:playEvt time="423" objId="3"/>
+        <p14:triggerEvt type="onClick" time="423" objId="3"/>
+        <p14:stopEvt time="17802" objId="3"/>
+      </p14:showEvtLst>
+    </p:ext>
+  </p:extLst>
 </p:sld>
 </file>
 
@@ -10142,7 +11265,7 @@
           <p:cNvPr id="5" name="Rectangle 4">
             <a:extLst>
               <a:ext uri="{FF2B5EF4-FFF2-40B4-BE49-F238E27FC236}">
-                <a16:creationId xmlns:a16="http://schemas.microsoft.com/office/drawing/2014/main" id="{6B3D22E0-3304-47C3-A13D-F3314EEBFA56}"/>
+                <a16:creationId xmlns:a16="http://schemas.microsoft.com/office/drawing/2014/main" xmlns="" id="{6B3D22E0-3304-47C3-A13D-F3314EEBFA56}"/>
               </a:ext>
             </a:extLst>
           </p:cNvPr>
@@ -10226,7 +11349,7 @@
           <p:cNvPr id="8" name="Rectangle 7">
             <a:extLst>
               <a:ext uri="{FF2B5EF4-FFF2-40B4-BE49-F238E27FC236}">
-                <a16:creationId xmlns:a16="http://schemas.microsoft.com/office/drawing/2014/main" id="{9A0DF3A1-7C0C-4F2B-AC19-D85A14774D75}"/>
+                <a16:creationId xmlns:a16="http://schemas.microsoft.com/office/drawing/2014/main" xmlns="" id="{9A0DF3A1-7C0C-4F2B-AC19-D85A14774D75}"/>
               </a:ext>
             </a:extLst>
           </p:cNvPr>
@@ -10299,7 +11422,7 @@
           <p:cNvPr id="14" name="Arrow: Right 13">
             <a:extLst>
               <a:ext uri="{FF2B5EF4-FFF2-40B4-BE49-F238E27FC236}">
-                <a16:creationId xmlns:a16="http://schemas.microsoft.com/office/drawing/2014/main" id="{796CEA44-310B-44B9-9452-370144CD966E}"/>
+                <a16:creationId xmlns:a16="http://schemas.microsoft.com/office/drawing/2014/main" xmlns="" id="{796CEA44-310B-44B9-9452-370144CD966E}"/>
               </a:ext>
             </a:extLst>
           </p:cNvPr>
@@ -10353,7 +11476,7 @@
           <p:cNvPr id="13" name="Rectangle 12">
             <a:extLst>
               <a:ext uri="{FF2B5EF4-FFF2-40B4-BE49-F238E27FC236}">
-                <a16:creationId xmlns:a16="http://schemas.microsoft.com/office/drawing/2014/main" id="{10403570-33C6-4D52-8ECF-EC0A6BFC6193}"/>
+                <a16:creationId xmlns:a16="http://schemas.microsoft.com/office/drawing/2014/main" xmlns="" id="{10403570-33C6-4D52-8ECF-EC0A6BFC6193}"/>
               </a:ext>
             </a:extLst>
           </p:cNvPr>
@@ -10512,7 +11635,7 @@
           <p:cNvPr id="15" name="Rectangle 14">
             <a:extLst>
               <a:ext uri="{FF2B5EF4-FFF2-40B4-BE49-F238E27FC236}">
-                <a16:creationId xmlns:a16="http://schemas.microsoft.com/office/drawing/2014/main" id="{88C45C25-BF1B-4018-8A33-8F627F02D4A4}"/>
+                <a16:creationId xmlns:a16="http://schemas.microsoft.com/office/drawing/2014/main" xmlns="" id="{88C45C25-BF1B-4018-8A33-8F627F02D4A4}"/>
               </a:ext>
             </a:extLst>
           </p:cNvPr>
@@ -10572,7 +11695,7 @@
           <p:cNvPr id="10" name="Table 9">
             <a:extLst>
               <a:ext uri="{FF2B5EF4-FFF2-40B4-BE49-F238E27FC236}">
-                <a16:creationId xmlns:a16="http://schemas.microsoft.com/office/drawing/2014/main" id="{A3C33157-FA5E-498D-B93C-73F8CAEE1A5D}"/>
+                <a16:creationId xmlns:a16="http://schemas.microsoft.com/office/drawing/2014/main" xmlns="" id="{A3C33157-FA5E-498D-B93C-73F8CAEE1A5D}"/>
               </a:ext>
             </a:extLst>
           </p:cNvPr>
@@ -10601,28 +11724,28 @@
                 <a:gridCol w="834080">
                   <a:extLst>
                     <a:ext uri="{9D8B030D-6E8A-4147-A177-3AD203B41FA5}">
-                      <a16:colId xmlns:a16="http://schemas.microsoft.com/office/drawing/2014/main" val="2514592082"/>
+                      <a16:colId xmlns:a16="http://schemas.microsoft.com/office/drawing/2014/main" xmlns="" val="2514592082"/>
                     </a:ext>
                   </a:extLst>
                 </a:gridCol>
                 <a:gridCol w="834080">
                   <a:extLst>
                     <a:ext uri="{9D8B030D-6E8A-4147-A177-3AD203B41FA5}">
-                      <a16:colId xmlns:a16="http://schemas.microsoft.com/office/drawing/2014/main" val="1972351707"/>
+                      <a16:colId xmlns:a16="http://schemas.microsoft.com/office/drawing/2014/main" xmlns="" val="1972351707"/>
                     </a:ext>
                   </a:extLst>
                 </a:gridCol>
                 <a:gridCol w="834080">
                   <a:extLst>
                     <a:ext uri="{9D8B030D-6E8A-4147-A177-3AD203B41FA5}">
-                      <a16:colId xmlns:a16="http://schemas.microsoft.com/office/drawing/2014/main" val="130078612"/>
+                      <a16:colId xmlns:a16="http://schemas.microsoft.com/office/drawing/2014/main" xmlns="" val="130078612"/>
                     </a:ext>
                   </a:extLst>
                 </a:gridCol>
                 <a:gridCol w="834080">
                   <a:extLst>
                     <a:ext uri="{9D8B030D-6E8A-4147-A177-3AD203B41FA5}">
-                      <a16:colId xmlns:a16="http://schemas.microsoft.com/office/drawing/2014/main" val="3594532491"/>
+                      <a16:colId xmlns:a16="http://schemas.microsoft.com/office/drawing/2014/main" xmlns="" val="3594532491"/>
                     </a:ext>
                   </a:extLst>
                 </a:gridCol>
@@ -10792,7 +11915,7 @@
                 </a:tc>
                 <a:extLst>
                   <a:ext uri="{0D108BD9-81ED-4DB2-BD59-A6C34878D82A}">
-                    <a16:rowId xmlns:a16="http://schemas.microsoft.com/office/drawing/2014/main" val="1648878484"/>
+                    <a16:rowId xmlns:a16="http://schemas.microsoft.com/office/drawing/2014/main" xmlns="" val="1648878484"/>
                   </a:ext>
                 </a:extLst>
               </a:tr>
@@ -10966,7 +12089,7 @@
                 </a:tc>
                 <a:extLst>
                   <a:ext uri="{0D108BD9-81ED-4DB2-BD59-A6C34878D82A}">
-                    <a16:rowId xmlns:a16="http://schemas.microsoft.com/office/drawing/2014/main" val="3110016024"/>
+                    <a16:rowId xmlns:a16="http://schemas.microsoft.com/office/drawing/2014/main" xmlns="" val="3110016024"/>
                   </a:ext>
                 </a:extLst>
               </a:tr>
@@ -11148,7 +12271,7 @@
                 </a:tc>
                 <a:extLst>
                   <a:ext uri="{0D108BD9-81ED-4DB2-BD59-A6C34878D82A}">
-                    <a16:rowId xmlns:a16="http://schemas.microsoft.com/office/drawing/2014/main" val="2530068117"/>
+                    <a16:rowId xmlns:a16="http://schemas.microsoft.com/office/drawing/2014/main" xmlns="" val="2530068117"/>
                   </a:ext>
                 </a:extLst>
               </a:tr>
@@ -11333,7 +12456,7 @@
                 </a:tc>
                 <a:extLst>
                   <a:ext uri="{0D108BD9-81ED-4DB2-BD59-A6C34878D82A}">
-                    <a16:rowId xmlns:a16="http://schemas.microsoft.com/office/drawing/2014/main" val="1712611614"/>
+                    <a16:rowId xmlns:a16="http://schemas.microsoft.com/office/drawing/2014/main" xmlns="" val="1712611614"/>
                   </a:ext>
                 </a:extLst>
               </a:tr>
@@ -11346,7 +12469,7 @@
           <p:cNvPr id="9" name="Minus Sign 8">
             <a:extLst>
               <a:ext uri="{FF2B5EF4-FFF2-40B4-BE49-F238E27FC236}">
-                <a16:creationId xmlns:a16="http://schemas.microsoft.com/office/drawing/2014/main" id="{C294297A-702B-420D-8DAB-6D877733E6A7}"/>
+                <a16:creationId xmlns:a16="http://schemas.microsoft.com/office/drawing/2014/main" xmlns="" id="{C294297A-702B-420D-8DAB-6D877733E6A7}"/>
               </a:ext>
             </a:extLst>
           </p:cNvPr>
@@ -11395,7 +12518,7 @@
           <p:cNvPr id="11" name="Rectangle 10">
             <a:extLst>
               <a:ext uri="{FF2B5EF4-FFF2-40B4-BE49-F238E27FC236}">
-                <a16:creationId xmlns:a16="http://schemas.microsoft.com/office/drawing/2014/main" id="{532EEA3E-1403-4EF4-B27A-0C256CF5CF22}"/>
+                <a16:creationId xmlns:a16="http://schemas.microsoft.com/office/drawing/2014/main" xmlns="" id="{532EEA3E-1403-4EF4-B27A-0C256CF5CF22}"/>
               </a:ext>
             </a:extLst>
           </p:cNvPr>
@@ -11556,7 +12679,7 @@
           <p:cNvPr id="2" name="Plus Sign 1">
             <a:extLst>
               <a:ext uri="{FF2B5EF4-FFF2-40B4-BE49-F238E27FC236}">
-                <a16:creationId xmlns:a16="http://schemas.microsoft.com/office/drawing/2014/main" id="{91D0D3F4-BEDC-4F58-B0EC-A7D9ACF037DA}"/>
+                <a16:creationId xmlns:a16="http://schemas.microsoft.com/office/drawing/2014/main" xmlns="" id="{91D0D3F4-BEDC-4F58-B0EC-A7D9ACF037DA}"/>
               </a:ext>
             </a:extLst>
           </p:cNvPr>
@@ -11595,6 +12718,39 @@
           </a:p>
         </p:txBody>
       </p:sp>
+      <p:pic>
+        <p:nvPicPr>
+          <p:cNvPr id="3" name="Som gravado">
+            <a:hlinkClick r:id="" action="ppaction://media"/>
+          </p:cNvPr>
+          <p:cNvPicPr>
+            <a:picLocks noChangeAspect="1"/>
+          </p:cNvPicPr>
+          <p:nvPr>
+            <a:audioFile r:link="rId2"/>
+            <p:extLst>
+              <p:ext uri="{DAA4B4D4-6D71-4841-9C94-3DE7FCFB9230}">
+                <p14:media xmlns:p14="http://schemas.microsoft.com/office/powerpoint/2010/main" r:embed="rId1"/>
+              </p:ext>
+            </p:extLst>
+          </p:nvPr>
+        </p:nvPicPr>
+        <p:blipFill>
+          <a:blip r:embed="rId5"/>
+          <a:stretch>
+            <a:fillRect/>
+          </a:stretch>
+        </p:blipFill>
+        <p:spPr>
+          <a:xfrm>
+            <a:off x="136515" y="0"/>
+            <a:ext cx="487363" cy="487363"/>
+          </a:xfrm>
+          <a:prstGeom prst="rect">
+            <a:avLst/>
+          </a:prstGeom>
+        </p:spPr>
+      </p:pic>
     </p:spTree>
     <p:extLst>
       <p:ext uri="{BB962C8B-B14F-4D97-AF65-F5344CB8AC3E}">
@@ -11605,9 +12761,113 @@
   <p:clrMapOvr>
     <a:masterClrMapping/>
   </p:clrMapOvr>
-  <p:transition spd="slow">
-    <p:wipe/>
-  </p:transition>
+  <mc:AlternateContent xmlns:mc="http://schemas.openxmlformats.org/markup-compatibility/2006">
+    <mc:Choice xmlns:p14="http://schemas.microsoft.com/office/powerpoint/2010/main" Requires="p14">
+      <p:transition spd="slow" p14:dur="1600" advTm="22413">
+        <p14:prism isContent="1" isInverted="1"/>
+      </p:transition>
+    </mc:Choice>
+    <mc:Fallback>
+      <p:transition spd="slow" advTm="22413">
+        <p:fade/>
+      </p:transition>
+    </mc:Fallback>
+  </mc:AlternateContent>
+  <p:timing>
+    <p:tnLst>
+      <p:par>
+        <p:cTn id="1" dur="indefinite" restart="never" nodeType="tmRoot">
+          <p:childTnLst>
+            <p:seq concurrent="1" nextAc="seek">
+              <p:cTn id="2" dur="indefinite" nodeType="mainSeq">
+                <p:childTnLst>
+                  <p:par>
+                    <p:cTn id="3" fill="hold">
+                      <p:stCondLst>
+                        <p:cond delay="indefinite"/>
+                        <p:cond evt="onBegin" delay="0">
+                          <p:tn val="2"/>
+                        </p:cond>
+                      </p:stCondLst>
+                      <p:childTnLst>
+                        <p:par>
+                          <p:cTn id="4" fill="hold">
+                            <p:stCondLst>
+                              <p:cond delay="0"/>
+                            </p:stCondLst>
+                            <p:childTnLst>
+                              <p:par>
+                                <p:cTn id="5" presetID="1" presetClass="mediacall" presetSubtype="0" fill="hold" nodeType="afterEffect">
+                                  <p:stCondLst>
+                                    <p:cond delay="0"/>
+                                  </p:stCondLst>
+                                  <p:childTnLst>
+                                    <p:cmd type="call" cmd="playFrom(0.0)">
+                                      <p:cBhvr>
+                                        <p:cTn id="6" dur="20526" fill="hold"/>
+                                        <p:tgtEl>
+                                          <p:spTgt spid="3"/>
+                                        </p:tgtEl>
+                                      </p:cBhvr>
+                                    </p:cmd>
+                                  </p:childTnLst>
+                                </p:cTn>
+                              </p:par>
+                            </p:childTnLst>
+                          </p:cTn>
+                        </p:par>
+                      </p:childTnLst>
+                    </p:cTn>
+                  </p:par>
+                </p:childTnLst>
+              </p:cTn>
+              <p:prevCondLst>
+                <p:cond evt="onPrev" delay="0">
+                  <p:tgtEl>
+                    <p:sldTgt/>
+                  </p:tgtEl>
+                </p:cond>
+              </p:prevCondLst>
+              <p:nextCondLst>
+                <p:cond evt="onNext" delay="0">
+                  <p:tgtEl>
+                    <p:sldTgt/>
+                  </p:tgtEl>
+                </p:cond>
+              </p:nextCondLst>
+            </p:seq>
+            <p:audio>
+              <p:cMediaNode vol="100000">
+                <p:cTn id="7" fill="hold" display="0">
+                  <p:stCondLst>
+                    <p:cond delay="indefinite"/>
+                  </p:stCondLst>
+                  <p:endCondLst>
+                    <p:cond evt="onStopAudio" delay="0">
+                      <p:tgtEl>
+                        <p:sldTgt/>
+                      </p:tgtEl>
+                    </p:cond>
+                  </p:endCondLst>
+                </p:cTn>
+                <p:tgtEl>
+                  <p:spTgt spid="3"/>
+                </p:tgtEl>
+              </p:cMediaNode>
+            </p:audio>
+          </p:childTnLst>
+        </p:cTn>
+      </p:par>
+    </p:tnLst>
+  </p:timing>
+  <p:extLst>
+    <p:ext uri="{E180D4A7-C9FB-4DFB-919C-405C955672EB}">
+      <p14:showEvtLst xmlns:p14="http://schemas.microsoft.com/office/powerpoint/2010/main">
+        <p14:playEvt time="2090" objId="3"/>
+        <p14:stopEvt time="22413" objId="3"/>
+      </p14:showEvtLst>
+    </p:ext>
+  </p:extLst>
 </p:sld>
 </file>
 
@@ -11633,7 +12893,7 @@
           <p:cNvPr id="5" name="Picture 4">
             <a:extLst>
               <a:ext uri="{FF2B5EF4-FFF2-40B4-BE49-F238E27FC236}">
-                <a16:creationId xmlns:a16="http://schemas.microsoft.com/office/drawing/2014/main" id="{2FDDB4AA-AA72-498C-9A5B-E6FE970B4C84}"/>
+                <a16:creationId xmlns:a16="http://schemas.microsoft.com/office/drawing/2014/main" xmlns="" id="{2FDDB4AA-AA72-498C-9A5B-E6FE970B4C84}"/>
               </a:ext>
             </a:extLst>
           </p:cNvPr>
@@ -11643,7 +12903,7 @@
           <p:nvPr/>
         </p:nvPicPr>
         <p:blipFill>
-          <a:blip r:embed="rId3">
+          <a:blip r:embed="rId5">
             <a:extLst>
               <a:ext uri="{28A0092B-C50C-407E-A947-70E740481C1C}">
                 <a14:useLocalDpi xmlns:a14="http://schemas.microsoft.com/office/drawing/2010/main" val="0"/>
@@ -11669,7 +12929,7 @@
           <p:cNvPr id="14" name="Rectangle 13">
             <a:extLst>
               <a:ext uri="{FF2B5EF4-FFF2-40B4-BE49-F238E27FC236}">
-                <a16:creationId xmlns:a16="http://schemas.microsoft.com/office/drawing/2014/main" id="{52670CB7-6F96-4BDF-AF66-75B2EA21419B}"/>
+                <a16:creationId xmlns:a16="http://schemas.microsoft.com/office/drawing/2014/main" xmlns="" id="{52670CB7-6F96-4BDF-AF66-75B2EA21419B}"/>
               </a:ext>
             </a:extLst>
           </p:cNvPr>
@@ -11731,6 +12991,39 @@
           </a:p>
         </p:txBody>
       </p:sp>
+      <p:pic>
+        <p:nvPicPr>
+          <p:cNvPr id="2" name="Som gravado">
+            <a:hlinkClick r:id="" action="ppaction://media"/>
+          </p:cNvPr>
+          <p:cNvPicPr>
+            <a:picLocks noChangeAspect="1"/>
+          </p:cNvPicPr>
+          <p:nvPr>
+            <a:audioFile r:link="rId2"/>
+            <p:extLst>
+              <p:ext uri="{DAA4B4D4-6D71-4841-9C94-3DE7FCFB9230}">
+                <p14:media xmlns:p14="http://schemas.microsoft.com/office/powerpoint/2010/main" r:embed="rId1"/>
+              </p:ext>
+            </p:extLst>
+          </p:nvPr>
+        </p:nvPicPr>
+        <p:blipFill>
+          <a:blip r:embed="rId6"/>
+          <a:stretch>
+            <a:fillRect/>
+          </a:stretch>
+        </p:blipFill>
+        <p:spPr>
+          <a:xfrm>
+            <a:off x="397565" y="304550"/>
+            <a:ext cx="487363" cy="487363"/>
+          </a:xfrm>
+          <a:prstGeom prst="rect">
+            <a:avLst/>
+          </a:prstGeom>
+        </p:spPr>
+      </p:pic>
     </p:spTree>
     <p:extLst>
       <p:ext uri="{BB962C8B-B14F-4D97-AF65-F5344CB8AC3E}">
@@ -11741,10 +13034,120 @@
   <p:clrMapOvr>
     <a:masterClrMapping/>
   </p:clrMapOvr>
-  <p:transition spd="slow">
-    <p:wipe/>
-  </p:transition>
+  <mc:AlternateContent xmlns:mc="http://schemas.openxmlformats.org/markup-compatibility/2006">
+    <mc:Choice xmlns:p14="http://schemas.microsoft.com/office/powerpoint/2010/main" Requires="p14">
+      <p:transition spd="slow" p14:dur="1600" advTm="10996">
+        <p14:prism isContent="1" isInverted="1"/>
+      </p:transition>
+    </mc:Choice>
+    <mc:Fallback>
+      <p:transition spd="slow" advTm="10996">
+        <p:fade/>
+      </p:transition>
+    </mc:Fallback>
+  </mc:AlternateContent>
+  <p:timing>
+    <p:tnLst>
+      <p:par>
+        <p:cTn id="1" dur="indefinite" restart="never" nodeType="tmRoot">
+          <p:childTnLst>
+            <p:seq concurrent="1" nextAc="seek">
+              <p:cTn id="2" dur="indefinite" nodeType="mainSeq">
+                <p:childTnLst>
+                  <p:par>
+                    <p:cTn id="3" fill="hold">
+                      <p:stCondLst>
+                        <p:cond delay="indefinite"/>
+                        <p:cond evt="onBegin" delay="0">
+                          <p:tn val="2"/>
+                        </p:cond>
+                      </p:stCondLst>
+                      <p:childTnLst>
+                        <p:par>
+                          <p:cTn id="4" fill="hold">
+                            <p:stCondLst>
+                              <p:cond delay="0"/>
+                            </p:stCondLst>
+                            <p:childTnLst>
+                              <p:par>
+                                <p:cTn id="5" presetID="1" presetClass="mediacall" presetSubtype="0" fill="hold" nodeType="afterEffect">
+                                  <p:stCondLst>
+                                    <p:cond delay="0"/>
+                                  </p:stCondLst>
+                                  <p:childTnLst>
+                                    <p:cmd type="call" cmd="playFrom(0.0)">
+                                      <p:cBhvr>
+                                        <p:cTn id="6" dur="8544" fill="hold"/>
+                                        <p:tgtEl>
+                                          <p:spTgt spid="2"/>
+                                        </p:tgtEl>
+                                      </p:cBhvr>
+                                    </p:cmd>
+                                  </p:childTnLst>
+                                </p:cTn>
+                              </p:par>
+                            </p:childTnLst>
+                          </p:cTn>
+                        </p:par>
+                      </p:childTnLst>
+                    </p:cTn>
+                  </p:par>
+                </p:childTnLst>
+              </p:cTn>
+              <p:prevCondLst>
+                <p:cond evt="onPrev" delay="0">
+                  <p:tgtEl>
+                    <p:sldTgt/>
+                  </p:tgtEl>
+                </p:cond>
+              </p:prevCondLst>
+              <p:nextCondLst>
+                <p:cond evt="onNext" delay="0">
+                  <p:tgtEl>
+                    <p:sldTgt/>
+                  </p:tgtEl>
+                </p:cond>
+              </p:nextCondLst>
+            </p:seq>
+            <p:audio>
+              <p:cMediaNode vol="80000">
+                <p:cTn id="7" fill="hold" display="0">
+                  <p:stCondLst>
+                    <p:cond delay="indefinite"/>
+                  </p:stCondLst>
+                  <p:endCondLst>
+                    <p:cond evt="onStopAudio" delay="0">
+                      <p:tgtEl>
+                        <p:sldTgt/>
+                      </p:tgtEl>
+                    </p:cond>
+                  </p:endCondLst>
+                </p:cTn>
+                <p:tgtEl>
+                  <p:spTgt spid="2"/>
+                </p:tgtEl>
+              </p:cMediaNode>
+            </p:audio>
+          </p:childTnLst>
+        </p:cTn>
+      </p:par>
+    </p:tnLst>
+  </p:timing>
+  <p:extLst>
+    <p:ext uri="{E180D4A7-C9FB-4DFB-919C-405C955672EB}">
+      <p14:showEvtLst xmlns:p14="http://schemas.microsoft.com/office/powerpoint/2010/main">
+        <p14:playEvt time="1306" objId="2"/>
+        <p14:stopEvt time="10067" objId="2"/>
+      </p14:showEvtLst>
+    </p:ext>
+  </p:extLst>
 </p:sld>
+</file>
+
+<file path=ppt/tags/tag1.xml><?xml version="1.0" encoding="utf-8"?>
+<p:tagLst xmlns:a="http://schemas.openxmlformats.org/drawingml/2006/main" xmlns:r="http://schemas.openxmlformats.org/officeDocument/2006/relationships" xmlns:p="http://schemas.openxmlformats.org/presentationml/2006/main">
+  <p:tag name="TIMING" val="|1.4"/>
+</p:tagLst>
 </file>
 
 <file path=ppt/theme/theme1.xml><?xml version="1.0" encoding="utf-8"?>
